--- a/manuscript/Fig8.pptx
+++ b/manuscript/Fig8.pptx
@@ -1,502 +1,22 @@
 
 <file path=ppt/presentation.xml><?xml version="1.0" encoding="utf-8"?>
-<p:presentation xmlns:a="http://schemas.openxmlformats.org/drawingml/2006/main" xmlns:r="http://schemas.openxmlformats.org/officeDocument/2006/relationships" xmlns:p="http://schemas.openxmlformats.org/presentationml/2006/main">
+<p:presentation xmlns:a="http://schemas.openxmlformats.org/drawingml/2006/main" xmlns:p="http://schemas.openxmlformats.org/presentationml/2006/main" xmlns:r="http://schemas.openxmlformats.org/officeDocument/2006/relationships" xmlns:p14="http://schemas.microsoft.com/office/powerpoint/2010/main" xmlns:p15="http://schemas.microsoft.com/office/powerpoint/2012/main" xmlns:mc="http://schemas.openxmlformats.org/markup-compatibility/2006">
   <p:sldMasterIdLst>
-    <p:sldMasterId id="2147483648" r:id="rId1"/>
+    <p:sldMasterId id="2147483648" r:id="rId2"/>
   </p:sldMasterIdLst>
   <p:notesMasterIdLst>
     <p:notesMasterId r:id="rId3"/>
   </p:notesMasterIdLst>
   <p:sldIdLst>
-    <p:sldId id="256" r:id="rId2"/>
+    <p:sldId id="256" r:id="rId4"/>
   </p:sldIdLst>
   <p:sldSz cx="8280400" cy="9180513"/>
   <p:notesSz cx="7559675" cy="10691813"/>
-  <p:defaultTextStyle>
-    <a:defPPr>
-      <a:defRPr lang="fi-FI"/>
-    </a:defPPr>
-    <a:lvl1pPr marL="0" algn="l" defTabSz="943569" rtl="0" eaLnBrk="1" latinLnBrk="0" hangingPunct="1">
-      <a:defRPr sz="1857" kern="1200">
-        <a:solidFill>
-          <a:schemeClr val="tx1"/>
-        </a:solidFill>
-        <a:latin typeface="+mn-lt"/>
-        <a:ea typeface="+mn-ea"/>
-        <a:cs typeface="+mn-cs"/>
-      </a:defRPr>
-    </a:lvl1pPr>
-    <a:lvl2pPr marL="471785" algn="l" defTabSz="943569" rtl="0" eaLnBrk="1" latinLnBrk="0" hangingPunct="1">
-      <a:defRPr sz="1857" kern="1200">
-        <a:solidFill>
-          <a:schemeClr val="tx1"/>
-        </a:solidFill>
-        <a:latin typeface="+mn-lt"/>
-        <a:ea typeface="+mn-ea"/>
-        <a:cs typeface="+mn-cs"/>
-      </a:defRPr>
-    </a:lvl2pPr>
-    <a:lvl3pPr marL="943569" algn="l" defTabSz="943569" rtl="0" eaLnBrk="1" latinLnBrk="0" hangingPunct="1">
-      <a:defRPr sz="1857" kern="1200">
-        <a:solidFill>
-          <a:schemeClr val="tx1"/>
-        </a:solidFill>
-        <a:latin typeface="+mn-lt"/>
-        <a:ea typeface="+mn-ea"/>
-        <a:cs typeface="+mn-cs"/>
-      </a:defRPr>
-    </a:lvl3pPr>
-    <a:lvl4pPr marL="1415354" algn="l" defTabSz="943569" rtl="0" eaLnBrk="1" latinLnBrk="0" hangingPunct="1">
-      <a:defRPr sz="1857" kern="1200">
-        <a:solidFill>
-          <a:schemeClr val="tx1"/>
-        </a:solidFill>
-        <a:latin typeface="+mn-lt"/>
-        <a:ea typeface="+mn-ea"/>
-        <a:cs typeface="+mn-cs"/>
-      </a:defRPr>
-    </a:lvl4pPr>
-    <a:lvl5pPr marL="1887139" algn="l" defTabSz="943569" rtl="0" eaLnBrk="1" latinLnBrk="0" hangingPunct="1">
-      <a:defRPr sz="1857" kern="1200">
-        <a:solidFill>
-          <a:schemeClr val="tx1"/>
-        </a:solidFill>
-        <a:latin typeface="+mn-lt"/>
-        <a:ea typeface="+mn-ea"/>
-        <a:cs typeface="+mn-cs"/>
-      </a:defRPr>
-    </a:lvl5pPr>
-    <a:lvl6pPr marL="2358923" algn="l" defTabSz="943569" rtl="0" eaLnBrk="1" latinLnBrk="0" hangingPunct="1">
-      <a:defRPr sz="1857" kern="1200">
-        <a:solidFill>
-          <a:schemeClr val="tx1"/>
-        </a:solidFill>
-        <a:latin typeface="+mn-lt"/>
-        <a:ea typeface="+mn-ea"/>
-        <a:cs typeface="+mn-cs"/>
-      </a:defRPr>
-    </a:lvl6pPr>
-    <a:lvl7pPr marL="2830708" algn="l" defTabSz="943569" rtl="0" eaLnBrk="1" latinLnBrk="0" hangingPunct="1">
-      <a:defRPr sz="1857" kern="1200">
-        <a:solidFill>
-          <a:schemeClr val="tx1"/>
-        </a:solidFill>
-        <a:latin typeface="+mn-lt"/>
-        <a:ea typeface="+mn-ea"/>
-        <a:cs typeface="+mn-cs"/>
-      </a:defRPr>
-    </a:lvl7pPr>
-    <a:lvl8pPr marL="3302493" algn="l" defTabSz="943569" rtl="0" eaLnBrk="1" latinLnBrk="0" hangingPunct="1">
-      <a:defRPr sz="1857" kern="1200">
-        <a:solidFill>
-          <a:schemeClr val="tx1"/>
-        </a:solidFill>
-        <a:latin typeface="+mn-lt"/>
-        <a:ea typeface="+mn-ea"/>
-        <a:cs typeface="+mn-cs"/>
-      </a:defRPr>
-    </a:lvl8pPr>
-    <a:lvl9pPr marL="3774277" algn="l" defTabSz="943569" rtl="0" eaLnBrk="1" latinLnBrk="0" hangingPunct="1">
-      <a:defRPr sz="1857" kern="1200">
-        <a:solidFill>
-          <a:schemeClr val="tx1"/>
-        </a:solidFill>
-        <a:latin typeface="+mn-lt"/>
-        <a:ea typeface="+mn-ea"/>
-        <a:cs typeface="+mn-cs"/>
-      </a:defRPr>
-    </a:lvl9pPr>
-  </p:defaultTextStyle>
-  <p:extLst>
-    <p:ext uri="{EFAFB233-063F-42B5-8137-9DF3F51BA10A}">
-      <p15:sldGuideLst xmlns:p15="http://schemas.microsoft.com/office/powerpoint/2012/main"/>
-    </p:ext>
-  </p:extLst>
 </p:presentation>
 </file>
 
 <file path=ppt/notesMasters/notesMaster1.xml><?xml version="1.0" encoding="utf-8"?>
-<p:notesMaster xmlns:a="http://schemas.openxmlformats.org/drawingml/2006/main" xmlns:r="http://schemas.openxmlformats.org/officeDocument/2006/relationships" xmlns:p="http://schemas.openxmlformats.org/presentationml/2006/main">
-  <p:cSld>
-    <p:bg>
-      <p:bgRef idx="1001">
-        <a:schemeClr val="bg1"/>
-      </p:bgRef>
-    </p:bg>
-    <p:spTree>
-      <p:nvGrpSpPr>
-        <p:cNvPr id="1" name=""/>
-        <p:cNvGrpSpPr/>
-        <p:nvPr/>
-      </p:nvGrpSpPr>
-      <p:grpSpPr>
-        <a:xfrm>
-          <a:off x="0" y="0"/>
-          <a:ext cx="0" cy="0"/>
-          <a:chOff x="0" y="0"/>
-          <a:chExt cx="0" cy="0"/>
-        </a:xfrm>
-      </p:grpSpPr>
-      <p:sp>
-        <p:nvSpPr>
-          <p:cNvPr id="39" name="PlaceHolder 1"/>
-          <p:cNvSpPr>
-            <a:spLocks noGrp="1" noRot="1" noChangeAspect="1"/>
-          </p:cNvSpPr>
-          <p:nvPr>
-            <p:ph type="sldImg"/>
-          </p:nvPr>
-        </p:nvSpPr>
-        <p:spPr>
-          <a:xfrm>
-            <a:off x="1973263" y="812800"/>
-            <a:ext cx="3613150" cy="4008438"/>
-          </a:xfrm>
-          <a:prstGeom prst="rect">
-            <a:avLst/>
-          </a:prstGeom>
-          <a:noFill/>
-          <a:ln w="0">
-            <a:noFill/>
-          </a:ln>
-        </p:spPr>
-        <p:txBody>
-          <a:bodyPr lIns="0" tIns="0" rIns="0" bIns="0" anchor="ctr">
-            <a:noAutofit/>
-          </a:bodyPr>
-          <a:lstStyle/>
-          <a:p>
-            <a:r>
-              <a:rPr lang="fi-FI" sz="1800" b="0" strike="noStrike" spc="-1">
-                <a:solidFill>
-                  <a:srgbClr val="000000"/>
-                </a:solidFill>
-                <a:latin typeface="Arial"/>
-              </a:rPr>
-              <a:t>Click to move the slide</a:t>
-            </a:r>
-          </a:p>
-        </p:txBody>
-      </p:sp>
-      <p:sp>
-        <p:nvSpPr>
-          <p:cNvPr id="40" name="PlaceHolder 2"/>
-          <p:cNvSpPr>
-            <a:spLocks noGrp="1"/>
-          </p:cNvSpPr>
-          <p:nvPr>
-            <p:ph type="body"/>
-          </p:nvPr>
-        </p:nvSpPr>
-        <p:spPr>
-          <a:xfrm>
-            <a:off x="756000" y="5078520"/>
-            <a:ext cx="6047640" cy="4811040"/>
-          </a:xfrm>
-          <a:prstGeom prst="rect">
-            <a:avLst/>
-          </a:prstGeom>
-          <a:noFill/>
-          <a:ln w="0">
-            <a:noFill/>
-          </a:ln>
-        </p:spPr>
-        <p:txBody>
-          <a:bodyPr lIns="0" tIns="0" rIns="0" bIns="0" anchor="t">
-            <a:noAutofit/>
-          </a:bodyPr>
-          <a:lstStyle/>
-          <a:p>
-            <a:r>
-              <a:rPr lang="en-GB" sz="2000" b="0" strike="noStrike" spc="-1">
-                <a:latin typeface="Arial"/>
-              </a:rPr>
-              <a:t>Click to edit the notes format</a:t>
-            </a:r>
-          </a:p>
-        </p:txBody>
-      </p:sp>
-      <p:sp>
-        <p:nvSpPr>
-          <p:cNvPr id="41" name="PlaceHolder 3"/>
-          <p:cNvSpPr>
-            <a:spLocks noGrp="1"/>
-          </p:cNvSpPr>
-          <p:nvPr>
-            <p:ph type="hdr"/>
-          </p:nvPr>
-        </p:nvSpPr>
-        <p:spPr>
-          <a:xfrm>
-            <a:off x="0" y="0"/>
-            <a:ext cx="3280680" cy="534240"/>
-          </a:xfrm>
-          <a:prstGeom prst="rect">
-            <a:avLst/>
-          </a:prstGeom>
-          <a:noFill/>
-          <a:ln w="0">
-            <a:noFill/>
-          </a:ln>
-        </p:spPr>
-        <p:txBody>
-          <a:bodyPr lIns="0" tIns="0" rIns="0" bIns="0" anchor="t">
-            <a:noAutofit/>
-          </a:bodyPr>
-          <a:lstStyle/>
-          <a:p>
-            <a:r>
-              <a:rPr lang="en-GB" sz="1400" b="0" strike="noStrike" spc="-1">
-                <a:latin typeface="Times New Roman"/>
-              </a:rPr>
-              <a:t>&lt;header&gt;</a:t>
-            </a:r>
-          </a:p>
-        </p:txBody>
-      </p:sp>
-      <p:sp>
-        <p:nvSpPr>
-          <p:cNvPr id="42" name="PlaceHolder 4"/>
-          <p:cNvSpPr>
-            <a:spLocks noGrp="1"/>
-          </p:cNvSpPr>
-          <p:nvPr>
-            <p:ph type="dt" idx="4"/>
-          </p:nvPr>
-        </p:nvSpPr>
-        <p:spPr>
-          <a:xfrm>
-            <a:off x="4278960" y="0"/>
-            <a:ext cx="3280680" cy="534240"/>
-          </a:xfrm>
-          <a:prstGeom prst="rect">
-            <a:avLst/>
-          </a:prstGeom>
-          <a:noFill/>
-          <a:ln w="0">
-            <a:noFill/>
-          </a:ln>
-        </p:spPr>
-        <p:txBody>
-          <a:bodyPr lIns="0" tIns="0" rIns="0" bIns="0" anchor="t">
-            <a:noAutofit/>
-          </a:bodyPr>
-          <a:lstStyle>
-            <a:lvl1pPr algn="r">
-              <a:buNone/>
-              <a:defRPr lang="en-GB" sz="1400" b="0" strike="noStrike" spc="-1">
-                <a:latin typeface="Times New Roman"/>
-              </a:defRPr>
-            </a:lvl1pPr>
-          </a:lstStyle>
-          <a:p>
-            <a:pPr algn="r">
-              <a:buNone/>
-            </a:pPr>
-            <a:r>
-              <a:rPr lang="en-GB" sz="1400" b="0" strike="noStrike" spc="-1">
-                <a:latin typeface="Times New Roman"/>
-              </a:rPr>
-              <a:t>&lt;date/time&gt;</a:t>
-            </a:r>
-          </a:p>
-        </p:txBody>
-      </p:sp>
-      <p:sp>
-        <p:nvSpPr>
-          <p:cNvPr id="43" name="PlaceHolder 5"/>
-          <p:cNvSpPr>
-            <a:spLocks noGrp="1"/>
-          </p:cNvSpPr>
-          <p:nvPr>
-            <p:ph type="ftr" idx="5"/>
-          </p:nvPr>
-        </p:nvSpPr>
-        <p:spPr>
-          <a:xfrm>
-            <a:off x="0" y="10157400"/>
-            <a:ext cx="3280680" cy="534240"/>
-          </a:xfrm>
-          <a:prstGeom prst="rect">
-            <a:avLst/>
-          </a:prstGeom>
-          <a:noFill/>
-          <a:ln w="0">
-            <a:noFill/>
-          </a:ln>
-        </p:spPr>
-        <p:txBody>
-          <a:bodyPr lIns="0" tIns="0" rIns="0" bIns="0" anchor="b">
-            <a:noAutofit/>
-          </a:bodyPr>
-          <a:lstStyle>
-            <a:lvl1pPr>
-              <a:defRPr lang="en-GB" sz="1400" b="0" strike="noStrike" spc="-1">
-                <a:latin typeface="Times New Roman"/>
-              </a:defRPr>
-            </a:lvl1pPr>
-          </a:lstStyle>
-          <a:p>
-            <a:r>
-              <a:rPr lang="en-GB" sz="1400" b="0" strike="noStrike" spc="-1">
-                <a:latin typeface="Times New Roman"/>
-              </a:rPr>
-              <a:t>&lt;footer&gt;</a:t>
-            </a:r>
-          </a:p>
-        </p:txBody>
-      </p:sp>
-      <p:sp>
-        <p:nvSpPr>
-          <p:cNvPr id="44" name="PlaceHolder 6"/>
-          <p:cNvSpPr>
-            <a:spLocks noGrp="1"/>
-          </p:cNvSpPr>
-          <p:nvPr>
-            <p:ph type="sldNum" idx="6"/>
-          </p:nvPr>
-        </p:nvSpPr>
-        <p:spPr>
-          <a:xfrm>
-            <a:off x="4278960" y="10157400"/>
-            <a:ext cx="3280680" cy="534240"/>
-          </a:xfrm>
-          <a:prstGeom prst="rect">
-            <a:avLst/>
-          </a:prstGeom>
-          <a:noFill/>
-          <a:ln w="0">
-            <a:noFill/>
-          </a:ln>
-        </p:spPr>
-        <p:txBody>
-          <a:bodyPr lIns="0" tIns="0" rIns="0" bIns="0" anchor="b">
-            <a:noAutofit/>
-          </a:bodyPr>
-          <a:lstStyle>
-            <a:lvl1pPr algn="r">
-              <a:buNone/>
-              <a:defRPr lang="en-GB" sz="1400" b="0" strike="noStrike" spc="-1">
-                <a:latin typeface="Times New Roman"/>
-              </a:defRPr>
-            </a:lvl1pPr>
-          </a:lstStyle>
-          <a:p>
-            <a:pPr algn="r">
-              <a:buNone/>
-            </a:pPr>
-            <a:fld id="{2FF5D5A7-4538-4F6E-8061-EF6F1FA29304}" type="slidenum">
-              <a:rPr lang="en-GB" sz="1400" b="0" strike="noStrike" spc="-1">
-                <a:latin typeface="Times New Roman"/>
-              </a:rPr>
-              <a:t>‹#›</a:t>
-            </a:fld>
-            <a:endParaRPr lang="en-GB" sz="1400" b="0" strike="noStrike" spc="-1">
-              <a:latin typeface="Times New Roman"/>
-            </a:endParaRPr>
-          </a:p>
-        </p:txBody>
-      </p:sp>
-    </p:spTree>
-  </p:cSld>
-  <p:clrMap bg1="lt1" tx1="dk1" bg2="lt2" tx2="dk2" accent1="accent1" accent2="accent2" accent3="accent3" accent4="accent4" accent5="accent5" accent6="accent6" hlink="hlink" folHlink="folHlink"/>
-  <p:notesStyle>
-    <a:lvl1pPr marL="0" algn="l" defTabSz="943569" rtl="0" eaLnBrk="1" latinLnBrk="0" hangingPunct="1">
-      <a:defRPr sz="1238" kern="1200">
-        <a:solidFill>
-          <a:schemeClr val="tx1"/>
-        </a:solidFill>
-        <a:latin typeface="+mn-lt"/>
-        <a:ea typeface="+mn-ea"/>
-        <a:cs typeface="+mn-cs"/>
-      </a:defRPr>
-    </a:lvl1pPr>
-    <a:lvl2pPr marL="471785" algn="l" defTabSz="943569" rtl="0" eaLnBrk="1" latinLnBrk="0" hangingPunct="1">
-      <a:defRPr sz="1238" kern="1200">
-        <a:solidFill>
-          <a:schemeClr val="tx1"/>
-        </a:solidFill>
-        <a:latin typeface="+mn-lt"/>
-        <a:ea typeface="+mn-ea"/>
-        <a:cs typeface="+mn-cs"/>
-      </a:defRPr>
-    </a:lvl2pPr>
-    <a:lvl3pPr marL="943569" algn="l" defTabSz="943569" rtl="0" eaLnBrk="1" latinLnBrk="0" hangingPunct="1">
-      <a:defRPr sz="1238" kern="1200">
-        <a:solidFill>
-          <a:schemeClr val="tx1"/>
-        </a:solidFill>
-        <a:latin typeface="+mn-lt"/>
-        <a:ea typeface="+mn-ea"/>
-        <a:cs typeface="+mn-cs"/>
-      </a:defRPr>
-    </a:lvl3pPr>
-    <a:lvl4pPr marL="1415354" algn="l" defTabSz="943569" rtl="0" eaLnBrk="1" latinLnBrk="0" hangingPunct="1">
-      <a:defRPr sz="1238" kern="1200">
-        <a:solidFill>
-          <a:schemeClr val="tx1"/>
-        </a:solidFill>
-        <a:latin typeface="+mn-lt"/>
-        <a:ea typeface="+mn-ea"/>
-        <a:cs typeface="+mn-cs"/>
-      </a:defRPr>
-    </a:lvl4pPr>
-    <a:lvl5pPr marL="1887139" algn="l" defTabSz="943569" rtl="0" eaLnBrk="1" latinLnBrk="0" hangingPunct="1">
-      <a:defRPr sz="1238" kern="1200">
-        <a:solidFill>
-          <a:schemeClr val="tx1"/>
-        </a:solidFill>
-        <a:latin typeface="+mn-lt"/>
-        <a:ea typeface="+mn-ea"/>
-        <a:cs typeface="+mn-cs"/>
-      </a:defRPr>
-    </a:lvl5pPr>
-    <a:lvl6pPr marL="2358923" algn="l" defTabSz="943569" rtl="0" eaLnBrk="1" latinLnBrk="0" hangingPunct="1">
-      <a:defRPr sz="1238" kern="1200">
-        <a:solidFill>
-          <a:schemeClr val="tx1"/>
-        </a:solidFill>
-        <a:latin typeface="+mn-lt"/>
-        <a:ea typeface="+mn-ea"/>
-        <a:cs typeface="+mn-cs"/>
-      </a:defRPr>
-    </a:lvl6pPr>
-    <a:lvl7pPr marL="2830708" algn="l" defTabSz="943569" rtl="0" eaLnBrk="1" latinLnBrk="0" hangingPunct="1">
-      <a:defRPr sz="1238" kern="1200">
-        <a:solidFill>
-          <a:schemeClr val="tx1"/>
-        </a:solidFill>
-        <a:latin typeface="+mn-lt"/>
-        <a:ea typeface="+mn-ea"/>
-        <a:cs typeface="+mn-cs"/>
-      </a:defRPr>
-    </a:lvl7pPr>
-    <a:lvl8pPr marL="3302493" algn="l" defTabSz="943569" rtl="0" eaLnBrk="1" latinLnBrk="0" hangingPunct="1">
-      <a:defRPr sz="1238" kern="1200">
-        <a:solidFill>
-          <a:schemeClr val="tx1"/>
-        </a:solidFill>
-        <a:latin typeface="+mn-lt"/>
-        <a:ea typeface="+mn-ea"/>
-        <a:cs typeface="+mn-cs"/>
-      </a:defRPr>
-    </a:lvl8pPr>
-    <a:lvl9pPr marL="3774277" algn="l" defTabSz="943569" rtl="0" eaLnBrk="1" latinLnBrk="0" hangingPunct="1">
-      <a:defRPr sz="1238" kern="1200">
-        <a:solidFill>
-          <a:schemeClr val="tx1"/>
-        </a:solidFill>
-        <a:latin typeface="+mn-lt"/>
-        <a:ea typeface="+mn-ea"/>
-        <a:cs typeface="+mn-cs"/>
-      </a:defRPr>
-    </a:lvl9pPr>
-  </p:notesStyle>
-</p:notesMaster>
-</file>
-
-<file path=ppt/notesSlides/notesSlide1.xml><?xml version="1.0" encoding="utf-8"?>
-<p:notes xmlns:a="http://schemas.openxmlformats.org/drawingml/2006/main" xmlns:r="http://schemas.openxmlformats.org/officeDocument/2006/relationships" xmlns:p="http://schemas.openxmlformats.org/presentationml/2006/main">
+<p:notesMaster xmlns:a="http://schemas.openxmlformats.org/drawingml/2006/main" xmlns:p="http://schemas.openxmlformats.org/presentationml/2006/main" xmlns:r="http://schemas.openxmlformats.org/officeDocument/2006/relationships" xmlns:p14="http://schemas.microsoft.com/office/powerpoint/2010/main" xmlns:p15="http://schemas.microsoft.com/office/powerpoint/2012/main" xmlns:mc="http://schemas.openxmlformats.org/markup-compatibility/2006">
   <p:cSld>
     <p:spTree>
       <p:nvGrpSpPr>
@@ -514,9 +34,9 @@
       </p:grpSpPr>
       <p:sp>
         <p:nvSpPr>
-          <p:cNvPr id="72" name="PlaceHolder 1"/>
-          <p:cNvSpPr>
-            <a:spLocks noGrp="1" noRot="1" noChangeAspect="1"/>
+          <p:cNvPr id="39" name="PlaceHolder 1"/>
+          <p:cNvSpPr>
+            <a:spLocks noGrp="1"/>
           </p:cNvSpPr>
           <p:nvPr>
             <p:ph type="sldImg"/>
@@ -524,31 +44,8 @@
         </p:nvSpPr>
         <p:spPr>
           <a:xfrm>
-            <a:off x="1973263" y="812800"/>
-            <a:ext cx="3613150" cy="4008438"/>
-          </a:xfrm>
-          <a:prstGeom prst="rect">
-            <a:avLst/>
-          </a:prstGeom>
-          <a:ln w="0">
-            <a:noFill/>
-          </a:ln>
-        </p:spPr>
-      </p:sp>
-      <p:sp>
-        <p:nvSpPr>
-          <p:cNvPr id="73" name="PlaceHolder 2"/>
-          <p:cNvSpPr>
-            <a:spLocks noGrp="1"/>
-          </p:cNvSpPr>
-          <p:nvPr>
-            <p:ph type="body"/>
-          </p:nvPr>
-        </p:nvSpPr>
-        <p:spPr>
-          <a:xfrm>
-            <a:off x="756000" y="5078520"/>
-            <a:ext cx="6046920" cy="4810320"/>
+            <a:off x="216000" y="812520"/>
+            <a:ext cx="7127280" cy="4008960"/>
           </a:xfrm>
           <a:prstGeom prst="rect">
             <a:avLst/>
@@ -559,12 +56,23 @@
           </a:ln>
         </p:spPr>
         <p:txBody>
-          <a:bodyPr lIns="0" tIns="0" rIns="0" bIns="0" anchor="t">
+          <a:bodyPr lIns="0" rIns="0" tIns="0" bIns="0" anchor="ctr">
             <a:noAutofit/>
           </a:bodyPr>
-          <a:lstStyle/>
-          <a:p>
-            <a:endParaRPr lang="en-GB" sz="2000" b="0" strike="noStrike" spc="-1" dirty="0">
+          <a:p>
+            <a:r>
+              <a:rPr b="0" lang="fi-FI" sz="1850" spc="-1" strike="noStrike">
+                <a:solidFill>
+                  <a:srgbClr val="000000"/>
+                </a:solidFill>
+                <a:latin typeface="Arial"/>
+              </a:rPr>
+              <a:t>Click to move the slide</a:t>
+            </a:r>
+            <a:endParaRPr b="0" lang="fi-FI" sz="1850" spc="-1" strike="noStrike">
+              <a:solidFill>
+                <a:srgbClr val="000000"/>
+              </a:solidFill>
               <a:latin typeface="Arial"/>
             </a:endParaRPr>
           </a:p>
@@ -572,18 +80,18 @@
       </p:sp>
       <p:sp>
         <p:nvSpPr>
-          <p:cNvPr id="74" name="PlaceHolder 3"/>
-          <p:cNvSpPr>
-            <a:spLocks noGrp="1"/>
-          </p:cNvSpPr>
-          <p:nvPr>
-            <p:ph type="sldNum" idx="7"/>
-          </p:nvPr>
-        </p:nvSpPr>
-        <p:spPr>
-          <a:xfrm>
-            <a:off x="4278960" y="10157400"/>
-            <a:ext cx="3279960" cy="533520"/>
+          <p:cNvPr id="40" name="PlaceHolder 2"/>
+          <p:cNvSpPr>
+            <a:spLocks noGrp="1"/>
+          </p:cNvSpPr>
+          <p:nvPr>
+            <p:ph type="body"/>
+          </p:nvPr>
+        </p:nvSpPr>
+        <p:spPr>
+          <a:xfrm>
+            <a:off x="756000" y="5078520"/>
+            <a:ext cx="6047640" cy="4811040"/>
           </a:xfrm>
           <a:prstGeom prst="rect">
             <a:avLst/>
@@ -594,7 +102,316 @@
           </a:ln>
         </p:spPr>
         <p:txBody>
-          <a:bodyPr lIns="0" tIns="0" rIns="0" bIns="0" anchor="b">
+          <a:bodyPr lIns="0" rIns="0" tIns="0" bIns="0" anchor="t">
+            <a:noAutofit/>
+          </a:bodyPr>
+          <a:p>
+            <a:r>
+              <a:rPr b="0" lang="en-GB" sz="2000" spc="-1" strike="noStrike">
+                <a:latin typeface="Arial"/>
+              </a:rPr>
+              <a:t>Click to edit the notes format</a:t>
+            </a:r>
+            <a:endParaRPr b="0" lang="en-GB" sz="2000" spc="-1" strike="noStrike">
+              <a:latin typeface="Arial"/>
+            </a:endParaRPr>
+          </a:p>
+        </p:txBody>
+      </p:sp>
+      <p:sp>
+        <p:nvSpPr>
+          <p:cNvPr id="41" name="PlaceHolder 3"/>
+          <p:cNvSpPr>
+            <a:spLocks noGrp="1"/>
+          </p:cNvSpPr>
+          <p:nvPr>
+            <p:ph type="hdr"/>
+          </p:nvPr>
+        </p:nvSpPr>
+        <p:spPr>
+          <a:xfrm>
+            <a:off x="0" y="0"/>
+            <a:ext cx="3280680" cy="534240"/>
+          </a:xfrm>
+          <a:prstGeom prst="rect">
+            <a:avLst/>
+          </a:prstGeom>
+          <a:noFill/>
+          <a:ln w="0">
+            <a:noFill/>
+          </a:ln>
+        </p:spPr>
+        <p:txBody>
+          <a:bodyPr lIns="0" rIns="0" tIns="0" bIns="0" anchor="t">
+            <a:noAutofit/>
+          </a:bodyPr>
+          <a:p>
+            <a:r>
+              <a:rPr b="0" lang="en-GB" sz="1400" spc="-1" strike="noStrike">
+                <a:latin typeface="Times New Roman"/>
+              </a:rPr>
+              <a:t>&lt;header&gt;</a:t>
+            </a:r>
+            <a:endParaRPr b="0" lang="en-GB" sz="1400" spc="-1" strike="noStrike">
+              <a:latin typeface="Times New Roman"/>
+            </a:endParaRPr>
+          </a:p>
+        </p:txBody>
+      </p:sp>
+      <p:sp>
+        <p:nvSpPr>
+          <p:cNvPr id="42" name="PlaceHolder 4"/>
+          <p:cNvSpPr>
+            <a:spLocks noGrp="1"/>
+          </p:cNvSpPr>
+          <p:nvPr>
+            <p:ph type="dt" idx="4"/>
+          </p:nvPr>
+        </p:nvSpPr>
+        <p:spPr>
+          <a:xfrm>
+            <a:off x="4278960" y="0"/>
+            <a:ext cx="3280680" cy="534240"/>
+          </a:xfrm>
+          <a:prstGeom prst="rect">
+            <a:avLst/>
+          </a:prstGeom>
+          <a:noFill/>
+          <a:ln w="0">
+            <a:noFill/>
+          </a:ln>
+        </p:spPr>
+        <p:txBody>
+          <a:bodyPr lIns="0" rIns="0" tIns="0" bIns="0" anchor="t">
+            <a:noAutofit/>
+          </a:bodyPr>
+          <a:lstStyle>
+            <a:lvl1pPr algn="r">
+              <a:buNone/>
+              <a:defRPr b="0" lang="en-GB" sz="1400" spc="-1" strike="noStrike">
+                <a:latin typeface="Times New Roman"/>
+              </a:defRPr>
+            </a:lvl1pPr>
+          </a:lstStyle>
+          <a:p>
+            <a:pPr algn="r">
+              <a:buNone/>
+            </a:pPr>
+            <a:r>
+              <a:rPr b="0" lang="en-GB" sz="1400" spc="-1" strike="noStrike">
+                <a:latin typeface="Times New Roman"/>
+              </a:rPr>
+              <a:t>&lt;date/time&gt;</a:t>
+            </a:r>
+            <a:endParaRPr b="0" lang="en-GB" sz="1400" spc="-1" strike="noStrike">
+              <a:latin typeface="Times New Roman"/>
+            </a:endParaRPr>
+          </a:p>
+        </p:txBody>
+      </p:sp>
+      <p:sp>
+        <p:nvSpPr>
+          <p:cNvPr id="43" name="PlaceHolder 5"/>
+          <p:cNvSpPr>
+            <a:spLocks noGrp="1"/>
+          </p:cNvSpPr>
+          <p:nvPr>
+            <p:ph type="ftr" idx="5"/>
+          </p:nvPr>
+        </p:nvSpPr>
+        <p:spPr>
+          <a:xfrm>
+            <a:off x="0" y="10157400"/>
+            <a:ext cx="3280680" cy="534240"/>
+          </a:xfrm>
+          <a:prstGeom prst="rect">
+            <a:avLst/>
+          </a:prstGeom>
+          <a:noFill/>
+          <a:ln w="0">
+            <a:noFill/>
+          </a:ln>
+        </p:spPr>
+        <p:txBody>
+          <a:bodyPr lIns="0" rIns="0" tIns="0" bIns="0" anchor="b">
+            <a:noAutofit/>
+          </a:bodyPr>
+          <a:lstStyle>
+            <a:lvl1pPr>
+              <a:defRPr b="0" lang="en-GB" sz="1400" spc="-1" strike="noStrike">
+                <a:latin typeface="Times New Roman"/>
+              </a:defRPr>
+            </a:lvl1pPr>
+          </a:lstStyle>
+          <a:p>
+            <a:r>
+              <a:rPr b="0" lang="en-GB" sz="1400" spc="-1" strike="noStrike">
+                <a:latin typeface="Times New Roman"/>
+              </a:rPr>
+              <a:t>&lt;footer&gt;</a:t>
+            </a:r>
+            <a:endParaRPr b="0" lang="en-GB" sz="1400" spc="-1" strike="noStrike">
+              <a:latin typeface="Times New Roman"/>
+            </a:endParaRPr>
+          </a:p>
+        </p:txBody>
+      </p:sp>
+      <p:sp>
+        <p:nvSpPr>
+          <p:cNvPr id="44" name="PlaceHolder 6"/>
+          <p:cNvSpPr>
+            <a:spLocks noGrp="1"/>
+          </p:cNvSpPr>
+          <p:nvPr>
+            <p:ph type="sldNum" idx="6"/>
+          </p:nvPr>
+        </p:nvSpPr>
+        <p:spPr>
+          <a:xfrm>
+            <a:off x="4278960" y="10157400"/>
+            <a:ext cx="3280680" cy="534240"/>
+          </a:xfrm>
+          <a:prstGeom prst="rect">
+            <a:avLst/>
+          </a:prstGeom>
+          <a:noFill/>
+          <a:ln w="0">
+            <a:noFill/>
+          </a:ln>
+        </p:spPr>
+        <p:txBody>
+          <a:bodyPr lIns="0" rIns="0" tIns="0" bIns="0" anchor="b">
+            <a:noAutofit/>
+          </a:bodyPr>
+          <a:lstStyle>
+            <a:lvl1pPr algn="r">
+              <a:buNone/>
+              <a:defRPr b="0" lang="en-GB" sz="1400" spc="-1" strike="noStrike">
+                <a:latin typeface="Times New Roman"/>
+              </a:defRPr>
+            </a:lvl1pPr>
+          </a:lstStyle>
+          <a:p>
+            <a:pPr algn="r">
+              <a:buNone/>
+            </a:pPr>
+            <a:fld id="{560D92F8-794A-488A-9A66-BC0274E50699}" type="slidenum">
+              <a:rPr b="0" lang="en-GB" sz="1400" spc="-1" strike="noStrike">
+                <a:latin typeface="Times New Roman"/>
+              </a:rPr>
+              <a:t>&lt;number&gt;</a:t>
+            </a:fld>
+            <a:endParaRPr b="0" lang="en-GB" sz="1400" spc="-1" strike="noStrike">
+              <a:latin typeface="Times New Roman"/>
+            </a:endParaRPr>
+          </a:p>
+        </p:txBody>
+      </p:sp>
+    </p:spTree>
+  </p:cSld>
+  <p:clrMap bg1="lt1" bg2="lt2" tx1="dk1" tx2="dk2" accent1="accent1" accent2="accent2" accent3="accent3" accent4="accent4" accent5="accent5" accent6="accent6" hlink="hlink" folHlink="folHlink"/>
+</p:notesMaster>
+</file>
+
+<file path=ppt/notesSlides/notesSlide1.xml><?xml version="1.0" encoding="utf-8"?>
+<p:notes xmlns:a="http://schemas.openxmlformats.org/drawingml/2006/main" xmlns:p="http://schemas.openxmlformats.org/presentationml/2006/main" xmlns:r="http://schemas.openxmlformats.org/officeDocument/2006/relationships" xmlns:p14="http://schemas.microsoft.com/office/powerpoint/2010/main" xmlns:p15="http://schemas.microsoft.com/office/powerpoint/2012/main" xmlns:mc="http://schemas.openxmlformats.org/markup-compatibility/2006">
+  <p:cSld>
+    <p:spTree>
+      <p:nvGrpSpPr>
+        <p:cNvPr id="1" name=""/>
+        <p:cNvGrpSpPr/>
+        <p:nvPr/>
+      </p:nvGrpSpPr>
+      <p:grpSpPr>
+        <a:xfrm>
+          <a:off x="0" y="0"/>
+          <a:ext cx="0" cy="0"/>
+          <a:chOff x="0" y="0"/>
+          <a:chExt cx="0" cy="0"/>
+        </a:xfrm>
+      </p:grpSpPr>
+      <p:sp>
+        <p:nvSpPr>
+          <p:cNvPr id="88" name="PlaceHolder 1"/>
+          <p:cNvSpPr>
+            <a:spLocks noGrp="1"/>
+          </p:cNvSpPr>
+          <p:nvPr>
+            <p:ph type="sldImg"/>
+          </p:nvPr>
+        </p:nvSpPr>
+        <p:spPr>
+          <a:xfrm>
+            <a:off x="1973160" y="812880"/>
+            <a:ext cx="3612960" cy="4008240"/>
+          </a:xfrm>
+          <a:prstGeom prst="rect">
+            <a:avLst/>
+          </a:prstGeom>
+          <a:ln w="0">
+            <a:noFill/>
+          </a:ln>
+        </p:spPr>
+      </p:sp>
+      <p:sp>
+        <p:nvSpPr>
+          <p:cNvPr id="89" name="PlaceHolder 2"/>
+          <p:cNvSpPr>
+            <a:spLocks noGrp="1"/>
+          </p:cNvSpPr>
+          <p:nvPr>
+            <p:ph type="body"/>
+          </p:nvPr>
+        </p:nvSpPr>
+        <p:spPr>
+          <a:xfrm>
+            <a:off x="756000" y="5078520"/>
+            <a:ext cx="6046560" cy="4809960"/>
+          </a:xfrm>
+          <a:prstGeom prst="rect">
+            <a:avLst/>
+          </a:prstGeom>
+          <a:noFill/>
+          <a:ln w="0">
+            <a:noFill/>
+          </a:ln>
+        </p:spPr>
+        <p:txBody>
+          <a:bodyPr lIns="0" rIns="0" tIns="0" bIns="0" anchor="t">
+            <a:noAutofit/>
+          </a:bodyPr>
+          <a:p>
+            <a:endParaRPr b="0" lang="en-GB" sz="2000" spc="-1" strike="noStrike">
+              <a:latin typeface="Arial"/>
+            </a:endParaRPr>
+          </a:p>
+        </p:txBody>
+      </p:sp>
+      <p:sp>
+        <p:nvSpPr>
+          <p:cNvPr id="90" name="PlaceHolder 3"/>
+          <p:cNvSpPr>
+            <a:spLocks noGrp="1"/>
+          </p:cNvSpPr>
+          <p:nvPr>
+            <p:ph type="sldNum" idx="7"/>
+          </p:nvPr>
+        </p:nvSpPr>
+        <p:spPr>
+          <a:xfrm>
+            <a:off x="4278960" y="10157400"/>
+            <a:ext cx="3279600" cy="533160"/>
+          </a:xfrm>
+          <a:prstGeom prst="rect">
+            <a:avLst/>
+          </a:prstGeom>
+          <a:noFill/>
+          <a:ln w="0">
+            <a:noFill/>
+          </a:ln>
+        </p:spPr>
+        <p:txBody>
+          <a:bodyPr lIns="0" rIns="0" tIns="0" bIns="0" anchor="b">
             <a:noAutofit/>
           </a:bodyPr>
           <a:lstStyle>
@@ -603,7 +420,7 @@
                 <a:spcPct val="100000"/>
               </a:lnSpc>
               <a:buNone/>
-              <a:defRPr lang="en-GB" sz="1400" b="0" strike="noStrike" spc="-1">
+              <a:defRPr b="0" lang="en-GB" sz="1400" spc="-1" strike="noStrike">
                 <a:solidFill>
                   <a:srgbClr val="000000"/>
                 </a:solidFill>
@@ -619,17 +436,17 @@
               </a:lnSpc>
               <a:buNone/>
             </a:pPr>
-            <a:fld id="{341B3108-DDF0-4931-87A9-D7BE0DB5A30A}" type="slidenum">
-              <a:rPr lang="en-GB" sz="1400" b="0" strike="noStrike" spc="-1">
+            <a:fld id="{E90E4A7E-EB2F-4AE4-8E30-4BCE796A80B7}" type="slidenum">
+              <a:rPr b="0" lang="en-GB" sz="1400" spc="-1" strike="noStrike">
                 <a:solidFill>
                   <a:srgbClr val="000000"/>
                 </a:solidFill>
                 <a:latin typeface="Times New Roman"/>
                 <a:ea typeface="+mn-ea"/>
               </a:rPr>
-              <a:t>1</a:t>
+              <a:t>&lt;number&gt;</a:t>
             </a:fld>
-            <a:endParaRPr lang="en-GB" sz="1400" b="0" strike="noStrike" spc="-1">
+            <a:endParaRPr b="0" lang="en-GB" sz="1400" spc="-1" strike="noStrike">
               <a:latin typeface="Times New Roman"/>
             </a:endParaRPr>
           </a:p>
@@ -637,14 +454,11 @@
       </p:sp>
     </p:spTree>
   </p:cSld>
-  <p:clrMapOvr>
-    <a:masterClrMapping/>
-  </p:clrMapOvr>
 </p:notes>
 </file>
 
 <file path=ppt/slideLayouts/slideLayout1.xml><?xml version="1.0" encoding="utf-8"?>
-<p:sldLayout xmlns:a="http://schemas.openxmlformats.org/drawingml/2006/main" xmlns:r="http://schemas.openxmlformats.org/officeDocument/2006/relationships" xmlns:p="http://schemas.openxmlformats.org/presentationml/2006/main" type="blank" preserve="1">
+<p:sldLayout xmlns:a="http://schemas.openxmlformats.org/drawingml/2006/main" xmlns:p="http://schemas.openxmlformats.org/presentationml/2006/main" xmlns:r="http://schemas.openxmlformats.org/officeDocument/2006/relationships" xmlns:p14="http://schemas.microsoft.com/office/powerpoint/2010/main" xmlns:p15="http://schemas.microsoft.com/office/powerpoint/2012/main" xmlns:mc="http://schemas.openxmlformats.org/markup-compatibility/2006" type="blank" preserve="1">
   <p:cSld name="Blank Slide">
     <p:spTree>
       <p:nvGrpSpPr>
@@ -673,7 +487,6 @@
         <p:spPr/>
         <p:txBody>
           <a:bodyPr/>
-          <a:lstStyle/>
           <a:p>
             <a:r>
               <a:t>Footer</a:t>
@@ -694,12 +507,10 @@
         <p:spPr/>
         <p:txBody>
           <a:bodyPr/>
-          <a:lstStyle/>
-          <a:p>
-            <a:fld id="{9B96A0E7-C12B-49F6-A3D7-DFE016EBC6FE}" type="slidenum">
-              <a:t>‹#›</a:t>
+          <a:p>
+            <a:fld id="{AB45A562-AD12-4175-9662-DE469CC315C1}" type="slidenum">
+              <a:t>&lt;#&gt;</a:t>
             </a:fld>
-            <a:endParaRPr/>
           </a:p>
         </p:txBody>
       </p:sp>
@@ -716,22 +527,21 @@
         <p:spPr/>
         <p:txBody>
           <a:bodyPr/>
-          <a:lstStyle/>
-          <a:p>
-            <a:endParaRPr/>
+          <a:p>
+            <a:r>
+              <a:rPr lang="en-GB"/>
+              <a:t/>
+            </a:r>
           </a:p>
         </p:txBody>
       </p:sp>
     </p:spTree>
   </p:cSld>
-  <p:clrMapOvr>
-    <a:masterClrMapping/>
-  </p:clrMapOvr>
 </p:sldLayout>
 </file>
 
 <file path=ppt/slideLayouts/slideLayout10.xml><?xml version="1.0" encoding="utf-8"?>
-<p:sldLayout xmlns:a="http://schemas.openxmlformats.org/drawingml/2006/main" xmlns:r="http://schemas.openxmlformats.org/officeDocument/2006/relationships" xmlns:p="http://schemas.openxmlformats.org/presentationml/2006/main" type="objOverTx" preserve="1">
+<p:sldLayout xmlns:a="http://schemas.openxmlformats.org/drawingml/2006/main" xmlns:p="http://schemas.openxmlformats.org/presentationml/2006/main" xmlns:r="http://schemas.openxmlformats.org/officeDocument/2006/relationships" xmlns:p14="http://schemas.microsoft.com/office/powerpoint/2010/main" xmlns:p15="http://schemas.microsoft.com/office/powerpoint/2012/main" xmlns:mc="http://schemas.openxmlformats.org/markup-compatibility/2006" type="objOverTx" preserve="1">
   <p:cSld name="Title, Content over Content">
     <p:spTree>
       <p:nvGrpSpPr>
@@ -759,8 +569,8 @@
         </p:nvSpPr>
         <p:spPr>
           <a:xfrm>
-            <a:off x="414000" y="365967"/>
-            <a:ext cx="7451640" cy="1532721"/>
+            <a:off x="414000" y="366120"/>
+            <a:ext cx="7451640" cy="1532520"/>
           </a:xfrm>
           <a:prstGeom prst="rect">
             <a:avLst/>
@@ -771,12 +581,11 @@
           </a:ln>
         </p:spPr>
         <p:txBody>
-          <a:bodyPr lIns="0" tIns="0" rIns="0" bIns="0" anchor="ctr">
+          <a:bodyPr lIns="0" rIns="0" tIns="0" bIns="0" anchor="ctr">
             <a:noAutofit/>
           </a:bodyPr>
-          <a:lstStyle/>
-          <a:p>
-            <a:endParaRPr lang="fi-FI" sz="1722" b="0" strike="noStrike" spc="-1">
+          <a:p>
+            <a:endParaRPr b="0" lang="fi-FI" sz="1850" spc="-1" strike="noStrike">
               <a:solidFill>
                 <a:srgbClr val="000000"/>
               </a:solidFill>
@@ -797,8 +606,8 @@
         </p:nvSpPr>
         <p:spPr>
           <a:xfrm>
-            <a:off x="414000" y="2148230"/>
-            <a:ext cx="7451640" cy="2539652"/>
+            <a:off x="414000" y="2148120"/>
+            <a:ext cx="7451640" cy="2539440"/>
           </a:xfrm>
           <a:prstGeom prst="rect">
             <a:avLst/>
@@ -809,21 +618,9 @@
           </a:ln>
         </p:spPr>
         <p:txBody>
-          <a:bodyPr lIns="0" tIns="0" rIns="0" bIns="0" anchor="t">
+          <a:bodyPr lIns="0" rIns="0" tIns="0" bIns="0" anchor="t">
             <a:normAutofit/>
           </a:bodyPr>
-          <a:lstStyle>
-            <a:lvl1pPr>
-              <a:lnSpc>
-                <a:spcPct val="90000"/>
-              </a:lnSpc>
-              <a:spcBef>
-                <a:spcPts val="1417"/>
-              </a:spcBef>
-              <a:buNone/>
-              <a:defRPr/>
-            </a:lvl1pPr>
-          </a:lstStyle>
           <a:p>
             <a:pPr>
               <a:lnSpc>
@@ -834,7 +631,7 @@
               </a:spcBef>
               <a:buNone/>
             </a:pPr>
-            <a:endParaRPr lang="fi-FI" sz="2678" b="0" strike="noStrike" spc="-1">
+            <a:endParaRPr b="0" lang="fi-FI" sz="2680" spc="-1" strike="noStrike">
               <a:solidFill>
                 <a:srgbClr val="000000"/>
               </a:solidFill>
@@ -855,8 +652,8 @@
         </p:nvSpPr>
         <p:spPr>
           <a:xfrm>
-            <a:off x="414000" y="4929495"/>
-            <a:ext cx="7451640" cy="2539652"/>
+            <a:off x="414000" y="4929120"/>
+            <a:ext cx="7451640" cy="2539440"/>
           </a:xfrm>
           <a:prstGeom prst="rect">
             <a:avLst/>
@@ -867,21 +664,9 @@
           </a:ln>
         </p:spPr>
         <p:txBody>
-          <a:bodyPr lIns="0" tIns="0" rIns="0" bIns="0" anchor="t">
+          <a:bodyPr lIns="0" rIns="0" tIns="0" bIns="0" anchor="t">
             <a:normAutofit/>
           </a:bodyPr>
-          <a:lstStyle>
-            <a:lvl1pPr>
-              <a:lnSpc>
-                <a:spcPct val="90000"/>
-              </a:lnSpc>
-              <a:spcBef>
-                <a:spcPts val="1417"/>
-              </a:spcBef>
-              <a:buNone/>
-              <a:defRPr/>
-            </a:lvl1pPr>
-          </a:lstStyle>
           <a:p>
             <a:pPr>
               <a:lnSpc>
@@ -892,7 +677,7 @@
               </a:spcBef>
               <a:buNone/>
             </a:pPr>
-            <a:endParaRPr lang="fi-FI" sz="2678" b="0" strike="noStrike" spc="-1">
+            <a:endParaRPr b="0" lang="fi-FI" sz="2680" spc="-1" strike="noStrike">
               <a:solidFill>
                 <a:srgbClr val="000000"/>
               </a:solidFill>
@@ -914,7 +699,6 @@
         <p:spPr/>
         <p:txBody>
           <a:bodyPr/>
-          <a:lstStyle/>
           <a:p>
             <a:r>
               <a:t>Footer</a:t>
@@ -935,12 +719,10 @@
         <p:spPr/>
         <p:txBody>
           <a:bodyPr/>
-          <a:lstStyle/>
-          <a:p>
-            <a:fld id="{5F6EA2CB-EBBB-4457-B0B7-97287A00AD0D}" type="slidenum">
-              <a:t>‹#›</a:t>
+          <a:p>
+            <a:fld id="{9E0087AB-AA6F-4E42-93F0-2372D36B67FB}" type="slidenum">
+              <a:t>&lt;#&gt;</a:t>
             </a:fld>
-            <a:endParaRPr/>
           </a:p>
         </p:txBody>
       </p:sp>
@@ -957,22 +739,21 @@
         <p:spPr/>
         <p:txBody>
           <a:bodyPr/>
-          <a:lstStyle/>
-          <a:p>
-            <a:endParaRPr/>
+          <a:p>
+            <a:r>
+              <a:rPr lang="en-GB"/>
+              <a:t/>
+            </a:r>
           </a:p>
         </p:txBody>
       </p:sp>
     </p:spTree>
   </p:cSld>
-  <p:clrMapOvr>
-    <a:masterClrMapping/>
-  </p:clrMapOvr>
 </p:sldLayout>
 </file>
 
 <file path=ppt/slideLayouts/slideLayout11.xml><?xml version="1.0" encoding="utf-8"?>
-<p:sldLayout xmlns:a="http://schemas.openxmlformats.org/drawingml/2006/main" xmlns:r="http://schemas.openxmlformats.org/officeDocument/2006/relationships" xmlns:p="http://schemas.openxmlformats.org/presentationml/2006/main" type="fourObj" preserve="1">
+<p:sldLayout xmlns:a="http://schemas.openxmlformats.org/drawingml/2006/main" xmlns:p="http://schemas.openxmlformats.org/presentationml/2006/main" xmlns:r="http://schemas.openxmlformats.org/officeDocument/2006/relationships" xmlns:p14="http://schemas.microsoft.com/office/powerpoint/2010/main" xmlns:p15="http://schemas.microsoft.com/office/powerpoint/2012/main" xmlns:mc="http://schemas.openxmlformats.org/markup-compatibility/2006" type="fourObj" preserve="1">
   <p:cSld name="Title, 4 Content">
     <p:spTree>
       <p:nvGrpSpPr>
@@ -1000,8 +781,8 @@
         </p:nvSpPr>
         <p:spPr>
           <a:xfrm>
-            <a:off x="414000" y="365967"/>
-            <a:ext cx="7451640" cy="1532721"/>
+            <a:off x="414000" y="366120"/>
+            <a:ext cx="7451640" cy="1532520"/>
           </a:xfrm>
           <a:prstGeom prst="rect">
             <a:avLst/>
@@ -1012,12 +793,11 @@
           </a:ln>
         </p:spPr>
         <p:txBody>
-          <a:bodyPr lIns="0" tIns="0" rIns="0" bIns="0" anchor="ctr">
+          <a:bodyPr lIns="0" rIns="0" tIns="0" bIns="0" anchor="ctr">
             <a:noAutofit/>
           </a:bodyPr>
-          <a:lstStyle/>
-          <a:p>
-            <a:endParaRPr lang="fi-FI" sz="1722" b="0" strike="noStrike" spc="-1">
+          <a:p>
+            <a:endParaRPr b="0" lang="fi-FI" sz="1850" spc="-1" strike="noStrike">
               <a:solidFill>
                 <a:srgbClr val="000000"/>
               </a:solidFill>
@@ -1038,8 +818,8 @@
         </p:nvSpPr>
         <p:spPr>
           <a:xfrm>
-            <a:off x="414000" y="2148230"/>
-            <a:ext cx="3636360" cy="2539652"/>
+            <a:off x="414000" y="2148120"/>
+            <a:ext cx="3636360" cy="2539440"/>
           </a:xfrm>
           <a:prstGeom prst="rect">
             <a:avLst/>
@@ -1050,21 +830,9 @@
           </a:ln>
         </p:spPr>
         <p:txBody>
-          <a:bodyPr lIns="0" tIns="0" rIns="0" bIns="0" anchor="t">
+          <a:bodyPr lIns="0" rIns="0" tIns="0" bIns="0" anchor="t">
             <a:normAutofit/>
           </a:bodyPr>
-          <a:lstStyle>
-            <a:lvl1pPr>
-              <a:lnSpc>
-                <a:spcPct val="90000"/>
-              </a:lnSpc>
-              <a:spcBef>
-                <a:spcPts val="1417"/>
-              </a:spcBef>
-              <a:buNone/>
-              <a:defRPr/>
-            </a:lvl1pPr>
-          </a:lstStyle>
           <a:p>
             <a:pPr>
               <a:lnSpc>
@@ -1075,7 +843,7 @@
               </a:spcBef>
               <a:buNone/>
             </a:pPr>
-            <a:endParaRPr lang="fi-FI" sz="2678" b="0" strike="noStrike" spc="-1">
+            <a:endParaRPr b="0" lang="fi-FI" sz="2680" spc="-1" strike="noStrike">
               <a:solidFill>
                 <a:srgbClr val="000000"/>
               </a:solidFill>
@@ -1096,8 +864,8 @@
         </p:nvSpPr>
         <p:spPr>
           <a:xfrm>
-            <a:off x="4232520" y="2148230"/>
-            <a:ext cx="3636360" cy="2539652"/>
+            <a:off x="4232520" y="2148120"/>
+            <a:ext cx="3636360" cy="2539440"/>
           </a:xfrm>
           <a:prstGeom prst="rect">
             <a:avLst/>
@@ -1108,21 +876,9 @@
           </a:ln>
         </p:spPr>
         <p:txBody>
-          <a:bodyPr lIns="0" tIns="0" rIns="0" bIns="0" anchor="t">
+          <a:bodyPr lIns="0" rIns="0" tIns="0" bIns="0" anchor="t">
             <a:normAutofit/>
           </a:bodyPr>
-          <a:lstStyle>
-            <a:lvl1pPr>
-              <a:lnSpc>
-                <a:spcPct val="90000"/>
-              </a:lnSpc>
-              <a:spcBef>
-                <a:spcPts val="1417"/>
-              </a:spcBef>
-              <a:buNone/>
-              <a:defRPr/>
-            </a:lvl1pPr>
-          </a:lstStyle>
           <a:p>
             <a:pPr>
               <a:lnSpc>
@@ -1133,7 +889,7 @@
               </a:spcBef>
               <a:buNone/>
             </a:pPr>
-            <a:endParaRPr lang="fi-FI" sz="2678" b="0" strike="noStrike" spc="-1">
+            <a:endParaRPr b="0" lang="fi-FI" sz="2680" spc="-1" strike="noStrike">
               <a:solidFill>
                 <a:srgbClr val="000000"/>
               </a:solidFill>
@@ -1154,8 +910,8 @@
         </p:nvSpPr>
         <p:spPr>
           <a:xfrm>
-            <a:off x="414000" y="4929495"/>
-            <a:ext cx="3636360" cy="2539652"/>
+            <a:off x="414000" y="4929120"/>
+            <a:ext cx="3636360" cy="2539440"/>
           </a:xfrm>
           <a:prstGeom prst="rect">
             <a:avLst/>
@@ -1166,21 +922,9 @@
           </a:ln>
         </p:spPr>
         <p:txBody>
-          <a:bodyPr lIns="0" tIns="0" rIns="0" bIns="0" anchor="t">
+          <a:bodyPr lIns="0" rIns="0" tIns="0" bIns="0" anchor="t">
             <a:normAutofit/>
           </a:bodyPr>
-          <a:lstStyle>
-            <a:lvl1pPr>
-              <a:lnSpc>
-                <a:spcPct val="90000"/>
-              </a:lnSpc>
-              <a:spcBef>
-                <a:spcPts val="1417"/>
-              </a:spcBef>
-              <a:buNone/>
-              <a:defRPr/>
-            </a:lvl1pPr>
-          </a:lstStyle>
           <a:p>
             <a:pPr>
               <a:lnSpc>
@@ -1191,7 +935,7 @@
               </a:spcBef>
               <a:buNone/>
             </a:pPr>
-            <a:endParaRPr lang="fi-FI" sz="2678" b="0" strike="noStrike" spc="-1">
+            <a:endParaRPr b="0" lang="fi-FI" sz="2680" spc="-1" strike="noStrike">
               <a:solidFill>
                 <a:srgbClr val="000000"/>
               </a:solidFill>
@@ -1212,8 +956,8 @@
         </p:nvSpPr>
         <p:spPr>
           <a:xfrm>
-            <a:off x="4232520" y="4929495"/>
-            <a:ext cx="3636360" cy="2539652"/>
+            <a:off x="4232520" y="4929120"/>
+            <a:ext cx="3636360" cy="2539440"/>
           </a:xfrm>
           <a:prstGeom prst="rect">
             <a:avLst/>
@@ -1224,21 +968,9 @@
           </a:ln>
         </p:spPr>
         <p:txBody>
-          <a:bodyPr lIns="0" tIns="0" rIns="0" bIns="0" anchor="t">
+          <a:bodyPr lIns="0" rIns="0" tIns="0" bIns="0" anchor="t">
             <a:normAutofit/>
           </a:bodyPr>
-          <a:lstStyle>
-            <a:lvl1pPr>
-              <a:lnSpc>
-                <a:spcPct val="90000"/>
-              </a:lnSpc>
-              <a:spcBef>
-                <a:spcPts val="1417"/>
-              </a:spcBef>
-              <a:buNone/>
-              <a:defRPr/>
-            </a:lvl1pPr>
-          </a:lstStyle>
           <a:p>
             <a:pPr>
               <a:lnSpc>
@@ -1249,7 +981,7 @@
               </a:spcBef>
               <a:buNone/>
             </a:pPr>
-            <a:endParaRPr lang="fi-FI" sz="2678" b="0" strike="noStrike" spc="-1">
+            <a:endParaRPr b="0" lang="fi-FI" sz="2680" spc="-1" strike="noStrike">
               <a:solidFill>
                 <a:srgbClr val="000000"/>
               </a:solidFill>
@@ -1271,7 +1003,6 @@
         <p:spPr/>
         <p:txBody>
           <a:bodyPr/>
-          <a:lstStyle/>
           <a:p>
             <a:r>
               <a:t>Footer</a:t>
@@ -1292,12 +1023,10 @@
         <p:spPr/>
         <p:txBody>
           <a:bodyPr/>
-          <a:lstStyle/>
-          <a:p>
-            <a:fld id="{1E58C2FD-5223-4186-95BB-9256566A068C}" type="slidenum">
-              <a:t>‹#›</a:t>
+          <a:p>
+            <a:fld id="{5EE0E01A-4B7A-4ECB-A5AF-D37FC59D4684}" type="slidenum">
+              <a:t>&lt;#&gt;</a:t>
             </a:fld>
-            <a:endParaRPr/>
           </a:p>
         </p:txBody>
       </p:sp>
@@ -1314,22 +1043,21 @@
         <p:spPr/>
         <p:txBody>
           <a:bodyPr/>
-          <a:lstStyle/>
-          <a:p>
-            <a:endParaRPr/>
+          <a:p>
+            <a:r>
+              <a:rPr lang="en-GB"/>
+              <a:t/>
+            </a:r>
           </a:p>
         </p:txBody>
       </p:sp>
     </p:spTree>
   </p:cSld>
-  <p:clrMapOvr>
-    <a:masterClrMapping/>
-  </p:clrMapOvr>
 </p:sldLayout>
 </file>
 
 <file path=ppt/slideLayouts/slideLayout12.xml><?xml version="1.0" encoding="utf-8"?>
-<p:sldLayout xmlns:a="http://schemas.openxmlformats.org/drawingml/2006/main" xmlns:r="http://schemas.openxmlformats.org/officeDocument/2006/relationships" xmlns:p="http://schemas.openxmlformats.org/presentationml/2006/main" type="blank" preserve="1">
+<p:sldLayout xmlns:a="http://schemas.openxmlformats.org/drawingml/2006/main" xmlns:p="http://schemas.openxmlformats.org/presentationml/2006/main" xmlns:r="http://schemas.openxmlformats.org/officeDocument/2006/relationships" xmlns:p14="http://schemas.microsoft.com/office/powerpoint/2010/main" xmlns:p15="http://schemas.microsoft.com/office/powerpoint/2012/main" xmlns:mc="http://schemas.openxmlformats.org/markup-compatibility/2006" type="blank" preserve="1">
   <p:cSld name="Title, 6 Content">
     <p:spTree>
       <p:nvGrpSpPr>
@@ -1357,8 +1085,8 @@
         </p:nvSpPr>
         <p:spPr>
           <a:xfrm>
-            <a:off x="414000" y="365967"/>
-            <a:ext cx="7451640" cy="1532721"/>
+            <a:off x="414000" y="366120"/>
+            <a:ext cx="7451640" cy="1532520"/>
           </a:xfrm>
           <a:prstGeom prst="rect">
             <a:avLst/>
@@ -1369,12 +1097,11 @@
           </a:ln>
         </p:spPr>
         <p:txBody>
-          <a:bodyPr lIns="0" tIns="0" rIns="0" bIns="0" anchor="ctr">
+          <a:bodyPr lIns="0" rIns="0" tIns="0" bIns="0" anchor="ctr">
             <a:noAutofit/>
           </a:bodyPr>
-          <a:lstStyle/>
-          <a:p>
-            <a:endParaRPr lang="fi-FI" sz="1722" b="0" strike="noStrike" spc="-1">
+          <a:p>
+            <a:endParaRPr b="0" lang="fi-FI" sz="1850" spc="-1" strike="noStrike">
               <a:solidFill>
                 <a:srgbClr val="000000"/>
               </a:solidFill>
@@ -1395,8 +1122,8 @@
         </p:nvSpPr>
         <p:spPr>
           <a:xfrm>
-            <a:off x="414000" y="2148230"/>
-            <a:ext cx="2399040" cy="2539652"/>
+            <a:off x="414000" y="2148120"/>
+            <a:ext cx="2399040" cy="2539440"/>
           </a:xfrm>
           <a:prstGeom prst="rect">
             <a:avLst/>
@@ -1407,21 +1134,9 @@
           </a:ln>
         </p:spPr>
         <p:txBody>
-          <a:bodyPr lIns="0" tIns="0" rIns="0" bIns="0" anchor="t">
+          <a:bodyPr lIns="0" rIns="0" tIns="0" bIns="0" anchor="t">
             <a:normAutofit/>
           </a:bodyPr>
-          <a:lstStyle>
-            <a:lvl1pPr>
-              <a:lnSpc>
-                <a:spcPct val="90000"/>
-              </a:lnSpc>
-              <a:spcBef>
-                <a:spcPts val="1417"/>
-              </a:spcBef>
-              <a:buNone/>
-              <a:defRPr/>
-            </a:lvl1pPr>
-          </a:lstStyle>
           <a:p>
             <a:pPr>
               <a:lnSpc>
@@ -1432,7 +1147,7 @@
               </a:spcBef>
               <a:buNone/>
             </a:pPr>
-            <a:endParaRPr lang="fi-FI" sz="2678" b="0" strike="noStrike" spc="-1">
+            <a:endParaRPr b="0" lang="fi-FI" sz="2680" spc="-1" strike="noStrike">
               <a:solidFill>
                 <a:srgbClr val="000000"/>
               </a:solidFill>
@@ -1453,8 +1168,8 @@
         </p:nvSpPr>
         <p:spPr>
           <a:xfrm>
-            <a:off x="2933280" y="2148230"/>
-            <a:ext cx="2399040" cy="2539652"/>
+            <a:off x="2933280" y="2148120"/>
+            <a:ext cx="2399040" cy="2539440"/>
           </a:xfrm>
           <a:prstGeom prst="rect">
             <a:avLst/>
@@ -1465,21 +1180,9 @@
           </a:ln>
         </p:spPr>
         <p:txBody>
-          <a:bodyPr lIns="0" tIns="0" rIns="0" bIns="0" anchor="t">
+          <a:bodyPr lIns="0" rIns="0" tIns="0" bIns="0" anchor="t">
             <a:normAutofit/>
           </a:bodyPr>
-          <a:lstStyle>
-            <a:lvl1pPr>
-              <a:lnSpc>
-                <a:spcPct val="90000"/>
-              </a:lnSpc>
-              <a:spcBef>
-                <a:spcPts val="1417"/>
-              </a:spcBef>
-              <a:buNone/>
-              <a:defRPr/>
-            </a:lvl1pPr>
-          </a:lstStyle>
           <a:p>
             <a:pPr>
               <a:lnSpc>
@@ -1490,7 +1193,7 @@
               </a:spcBef>
               <a:buNone/>
             </a:pPr>
-            <a:endParaRPr lang="fi-FI" sz="2678" b="0" strike="noStrike" spc="-1">
+            <a:endParaRPr b="0" lang="fi-FI" sz="2680" spc="-1" strike="noStrike">
               <a:solidFill>
                 <a:srgbClr val="000000"/>
               </a:solidFill>
@@ -1511,8 +1214,8 @@
         </p:nvSpPr>
         <p:spPr>
           <a:xfrm>
-            <a:off x="5452920" y="2148230"/>
-            <a:ext cx="2399040" cy="2539652"/>
+            <a:off x="5452920" y="2148120"/>
+            <a:ext cx="2399040" cy="2539440"/>
           </a:xfrm>
           <a:prstGeom prst="rect">
             <a:avLst/>
@@ -1523,21 +1226,9 @@
           </a:ln>
         </p:spPr>
         <p:txBody>
-          <a:bodyPr lIns="0" tIns="0" rIns="0" bIns="0" anchor="t">
+          <a:bodyPr lIns="0" rIns="0" tIns="0" bIns="0" anchor="t">
             <a:normAutofit/>
           </a:bodyPr>
-          <a:lstStyle>
-            <a:lvl1pPr>
-              <a:lnSpc>
-                <a:spcPct val="90000"/>
-              </a:lnSpc>
-              <a:spcBef>
-                <a:spcPts val="1417"/>
-              </a:spcBef>
-              <a:buNone/>
-              <a:defRPr/>
-            </a:lvl1pPr>
-          </a:lstStyle>
           <a:p>
             <a:pPr>
               <a:lnSpc>
@@ -1548,7 +1239,7 @@
               </a:spcBef>
               <a:buNone/>
             </a:pPr>
-            <a:endParaRPr lang="fi-FI" sz="2678" b="0" strike="noStrike" spc="-1">
+            <a:endParaRPr b="0" lang="fi-FI" sz="2680" spc="-1" strike="noStrike">
               <a:solidFill>
                 <a:srgbClr val="000000"/>
               </a:solidFill>
@@ -1569,8 +1260,8 @@
         </p:nvSpPr>
         <p:spPr>
           <a:xfrm>
-            <a:off x="414000" y="4929495"/>
-            <a:ext cx="2399040" cy="2539652"/>
+            <a:off x="414000" y="4929120"/>
+            <a:ext cx="2399040" cy="2539440"/>
           </a:xfrm>
           <a:prstGeom prst="rect">
             <a:avLst/>
@@ -1581,21 +1272,9 @@
           </a:ln>
         </p:spPr>
         <p:txBody>
-          <a:bodyPr lIns="0" tIns="0" rIns="0" bIns="0" anchor="t">
+          <a:bodyPr lIns="0" rIns="0" tIns="0" bIns="0" anchor="t">
             <a:normAutofit/>
           </a:bodyPr>
-          <a:lstStyle>
-            <a:lvl1pPr>
-              <a:lnSpc>
-                <a:spcPct val="90000"/>
-              </a:lnSpc>
-              <a:spcBef>
-                <a:spcPts val="1417"/>
-              </a:spcBef>
-              <a:buNone/>
-              <a:defRPr/>
-            </a:lvl1pPr>
-          </a:lstStyle>
           <a:p>
             <a:pPr>
               <a:lnSpc>
@@ -1606,7 +1285,7 @@
               </a:spcBef>
               <a:buNone/>
             </a:pPr>
-            <a:endParaRPr lang="fi-FI" sz="2678" b="0" strike="noStrike" spc="-1">
+            <a:endParaRPr b="0" lang="fi-FI" sz="2680" spc="-1" strike="noStrike">
               <a:solidFill>
                 <a:srgbClr val="000000"/>
               </a:solidFill>
@@ -1627,8 +1306,8 @@
         </p:nvSpPr>
         <p:spPr>
           <a:xfrm>
-            <a:off x="2933280" y="4929495"/>
-            <a:ext cx="2399040" cy="2539652"/>
+            <a:off x="2933280" y="4929120"/>
+            <a:ext cx="2399040" cy="2539440"/>
           </a:xfrm>
           <a:prstGeom prst="rect">
             <a:avLst/>
@@ -1639,21 +1318,9 @@
           </a:ln>
         </p:spPr>
         <p:txBody>
-          <a:bodyPr lIns="0" tIns="0" rIns="0" bIns="0" anchor="t">
+          <a:bodyPr lIns="0" rIns="0" tIns="0" bIns="0" anchor="t">
             <a:normAutofit/>
           </a:bodyPr>
-          <a:lstStyle>
-            <a:lvl1pPr>
-              <a:lnSpc>
-                <a:spcPct val="90000"/>
-              </a:lnSpc>
-              <a:spcBef>
-                <a:spcPts val="1417"/>
-              </a:spcBef>
-              <a:buNone/>
-              <a:defRPr/>
-            </a:lvl1pPr>
-          </a:lstStyle>
           <a:p>
             <a:pPr>
               <a:lnSpc>
@@ -1664,7 +1331,7 @@
               </a:spcBef>
               <a:buNone/>
             </a:pPr>
-            <a:endParaRPr lang="fi-FI" sz="2678" b="0" strike="noStrike" spc="-1">
+            <a:endParaRPr b="0" lang="fi-FI" sz="2680" spc="-1" strike="noStrike">
               <a:solidFill>
                 <a:srgbClr val="000000"/>
               </a:solidFill>
@@ -1685,8 +1352,8 @@
         </p:nvSpPr>
         <p:spPr>
           <a:xfrm>
-            <a:off x="5452920" y="4929495"/>
-            <a:ext cx="2399040" cy="2539652"/>
+            <a:off x="5452920" y="4929120"/>
+            <a:ext cx="2399040" cy="2539440"/>
           </a:xfrm>
           <a:prstGeom prst="rect">
             <a:avLst/>
@@ -1697,21 +1364,9 @@
           </a:ln>
         </p:spPr>
         <p:txBody>
-          <a:bodyPr lIns="0" tIns="0" rIns="0" bIns="0" anchor="t">
+          <a:bodyPr lIns="0" rIns="0" tIns="0" bIns="0" anchor="t">
             <a:normAutofit/>
           </a:bodyPr>
-          <a:lstStyle>
-            <a:lvl1pPr>
-              <a:lnSpc>
-                <a:spcPct val="90000"/>
-              </a:lnSpc>
-              <a:spcBef>
-                <a:spcPts val="1417"/>
-              </a:spcBef>
-              <a:buNone/>
-              <a:defRPr/>
-            </a:lvl1pPr>
-          </a:lstStyle>
           <a:p>
             <a:pPr>
               <a:lnSpc>
@@ -1722,7 +1377,7 @@
               </a:spcBef>
               <a:buNone/>
             </a:pPr>
-            <a:endParaRPr lang="fi-FI" sz="2678" b="0" strike="noStrike" spc="-1">
+            <a:endParaRPr b="0" lang="fi-FI" sz="2680" spc="-1" strike="noStrike">
               <a:solidFill>
                 <a:srgbClr val="000000"/>
               </a:solidFill>
@@ -1744,7 +1399,6 @@
         <p:spPr/>
         <p:txBody>
           <a:bodyPr/>
-          <a:lstStyle/>
           <a:p>
             <a:r>
               <a:t>Footer</a:t>
@@ -1765,12 +1419,10 @@
         <p:spPr/>
         <p:txBody>
           <a:bodyPr/>
-          <a:lstStyle/>
-          <a:p>
-            <a:fld id="{9F86C459-DDB3-48F1-9CB0-4FCE18EC670E}" type="slidenum">
-              <a:t>‹#›</a:t>
+          <a:p>
+            <a:fld id="{F20E5DCB-15E0-4AA5-892B-DA369DD3982C}" type="slidenum">
+              <a:t>&lt;#&gt;</a:t>
             </a:fld>
-            <a:endParaRPr/>
           </a:p>
         </p:txBody>
       </p:sp>
@@ -1787,22 +1439,21 @@
         <p:spPr/>
         <p:txBody>
           <a:bodyPr/>
-          <a:lstStyle/>
-          <a:p>
-            <a:endParaRPr/>
+          <a:p>
+            <a:r>
+              <a:rPr lang="en-GB"/>
+              <a:t/>
+            </a:r>
           </a:p>
         </p:txBody>
       </p:sp>
     </p:spTree>
   </p:cSld>
-  <p:clrMapOvr>
-    <a:masterClrMapping/>
-  </p:clrMapOvr>
 </p:sldLayout>
 </file>
 
 <file path=ppt/slideLayouts/slideLayout2.xml><?xml version="1.0" encoding="utf-8"?>
-<p:sldLayout xmlns:a="http://schemas.openxmlformats.org/drawingml/2006/main" xmlns:r="http://schemas.openxmlformats.org/officeDocument/2006/relationships" xmlns:p="http://schemas.openxmlformats.org/presentationml/2006/main" type="tx" preserve="1">
+<p:sldLayout xmlns:a="http://schemas.openxmlformats.org/drawingml/2006/main" xmlns:p="http://schemas.openxmlformats.org/presentationml/2006/main" xmlns:r="http://schemas.openxmlformats.org/officeDocument/2006/relationships" xmlns:p14="http://schemas.microsoft.com/office/powerpoint/2010/main" xmlns:p15="http://schemas.microsoft.com/office/powerpoint/2012/main" xmlns:mc="http://schemas.openxmlformats.org/markup-compatibility/2006" type="tx" preserve="1">
   <p:cSld name="Title Slide">
     <p:spTree>
       <p:nvGrpSpPr>
@@ -1830,8 +1481,8 @@
         </p:nvSpPr>
         <p:spPr>
           <a:xfrm>
-            <a:off x="414000" y="365967"/>
-            <a:ext cx="7451640" cy="1532721"/>
+            <a:off x="414000" y="366120"/>
+            <a:ext cx="7451640" cy="1532520"/>
           </a:xfrm>
           <a:prstGeom prst="rect">
             <a:avLst/>
@@ -1842,12 +1493,11 @@
           </a:ln>
         </p:spPr>
         <p:txBody>
-          <a:bodyPr lIns="0" tIns="0" rIns="0" bIns="0" anchor="ctr">
+          <a:bodyPr lIns="0" rIns="0" tIns="0" bIns="0" anchor="ctr">
             <a:noAutofit/>
           </a:bodyPr>
-          <a:lstStyle/>
-          <a:p>
-            <a:endParaRPr lang="fi-FI" sz="1722" b="0" strike="noStrike" spc="-1">
+          <a:p>
+            <a:endParaRPr b="0" lang="fi-FI" sz="1850" spc="-1" strike="noStrike">
               <a:solidFill>
                 <a:srgbClr val="000000"/>
               </a:solidFill>
@@ -1868,8 +1518,8 @@
         </p:nvSpPr>
         <p:spPr>
           <a:xfrm>
-            <a:off x="414000" y="2148230"/>
-            <a:ext cx="7451640" cy="5324255"/>
+            <a:off x="414000" y="2148120"/>
+            <a:ext cx="7451640" cy="5324040"/>
           </a:xfrm>
           <a:prstGeom prst="rect">
             <a:avLst/>
@@ -1880,15 +1530,14 @@
           </a:ln>
         </p:spPr>
         <p:txBody>
-          <a:bodyPr lIns="0" tIns="0" rIns="0" bIns="0" anchor="ctr">
+          <a:bodyPr lIns="0" rIns="0" tIns="0" bIns="0" anchor="ctr">
             <a:noAutofit/>
           </a:bodyPr>
-          <a:lstStyle/>
           <a:p>
             <a:pPr algn="ctr">
               <a:buNone/>
             </a:pPr>
-            <a:endParaRPr lang="en-GB" sz="3061" b="0" strike="noStrike" spc="-1">
+            <a:endParaRPr b="0" lang="en-GB" sz="3200" spc="-1" strike="noStrike">
               <a:latin typeface="Arial"/>
             </a:endParaRPr>
           </a:p>
@@ -1896,7 +1545,7 @@
       </p:sp>
       <p:sp>
         <p:nvSpPr>
-          <p:cNvPr id="2" name="PlaceHolder 3"/>
+          <p:cNvPr id="4" name="PlaceHolder 3"/>
           <p:cNvSpPr>
             <a:spLocks noGrp="1"/>
           </p:cNvSpPr>
@@ -1907,7 +1556,6 @@
         <p:spPr/>
         <p:txBody>
           <a:bodyPr/>
-          <a:lstStyle/>
           <a:p>
             <a:r>
               <a:t>Footer</a:t>
@@ -1928,12 +1576,10 @@
         <p:spPr/>
         <p:txBody>
           <a:bodyPr/>
-          <a:lstStyle/>
-          <a:p>
-            <a:fld id="{52ECC971-A8C4-4FB0-AF59-23AE8BDCFDF1}" type="slidenum">
-              <a:t>‹#›</a:t>
+          <a:p>
+            <a:fld id="{3A903E79-06D5-491A-A488-FE1600A0ABA8}" type="slidenum">
+              <a:t>&lt;#&gt;</a:t>
             </a:fld>
-            <a:endParaRPr/>
           </a:p>
         </p:txBody>
       </p:sp>
@@ -1950,22 +1596,21 @@
         <p:spPr/>
         <p:txBody>
           <a:bodyPr/>
-          <a:lstStyle/>
-          <a:p>
-            <a:endParaRPr/>
+          <a:p>
+            <a:r>
+              <a:rPr lang="en-GB"/>
+              <a:t/>
+            </a:r>
           </a:p>
         </p:txBody>
       </p:sp>
     </p:spTree>
   </p:cSld>
-  <p:clrMapOvr>
-    <a:masterClrMapping/>
-  </p:clrMapOvr>
 </p:sldLayout>
 </file>
 
 <file path=ppt/slideLayouts/slideLayout3.xml><?xml version="1.0" encoding="utf-8"?>
-<p:sldLayout xmlns:a="http://schemas.openxmlformats.org/drawingml/2006/main" xmlns:r="http://schemas.openxmlformats.org/officeDocument/2006/relationships" xmlns:p="http://schemas.openxmlformats.org/presentationml/2006/main" type="obj" preserve="1">
+<p:sldLayout xmlns:a="http://schemas.openxmlformats.org/drawingml/2006/main" xmlns:p="http://schemas.openxmlformats.org/presentationml/2006/main" xmlns:r="http://schemas.openxmlformats.org/officeDocument/2006/relationships" xmlns:p14="http://schemas.microsoft.com/office/powerpoint/2010/main" xmlns:p15="http://schemas.microsoft.com/office/powerpoint/2012/main" xmlns:mc="http://schemas.openxmlformats.org/markup-compatibility/2006" type="obj" preserve="1">
   <p:cSld name="Title, Content">
     <p:spTree>
       <p:nvGrpSpPr>
@@ -1993,8 +1638,8 @@
         </p:nvSpPr>
         <p:spPr>
           <a:xfrm>
-            <a:off x="414000" y="365967"/>
-            <a:ext cx="7451640" cy="1532721"/>
+            <a:off x="414000" y="366120"/>
+            <a:ext cx="7451640" cy="1532520"/>
           </a:xfrm>
           <a:prstGeom prst="rect">
             <a:avLst/>
@@ -2005,12 +1650,11 @@
           </a:ln>
         </p:spPr>
         <p:txBody>
-          <a:bodyPr lIns="0" tIns="0" rIns="0" bIns="0" anchor="ctr">
+          <a:bodyPr lIns="0" rIns="0" tIns="0" bIns="0" anchor="ctr">
             <a:noAutofit/>
           </a:bodyPr>
-          <a:lstStyle/>
-          <a:p>
-            <a:endParaRPr lang="fi-FI" sz="1722" b="0" strike="noStrike" spc="-1">
+          <a:p>
+            <a:endParaRPr b="0" lang="fi-FI" sz="1850" spc="-1" strike="noStrike">
               <a:solidFill>
                 <a:srgbClr val="000000"/>
               </a:solidFill>
@@ -2031,8 +1675,8 @@
         </p:nvSpPr>
         <p:spPr>
           <a:xfrm>
-            <a:off x="414000" y="2148230"/>
-            <a:ext cx="7451640" cy="5324255"/>
+            <a:off x="414000" y="2148120"/>
+            <a:ext cx="7451640" cy="5324040"/>
           </a:xfrm>
           <a:prstGeom prst="rect">
             <a:avLst/>
@@ -2043,21 +1687,9 @@
           </a:ln>
         </p:spPr>
         <p:txBody>
-          <a:bodyPr lIns="0" tIns="0" rIns="0" bIns="0" anchor="t">
+          <a:bodyPr lIns="0" rIns="0" tIns="0" bIns="0" anchor="t">
             <a:normAutofit/>
           </a:bodyPr>
-          <a:lstStyle>
-            <a:lvl1pPr>
-              <a:lnSpc>
-                <a:spcPct val="90000"/>
-              </a:lnSpc>
-              <a:spcBef>
-                <a:spcPts val="1417"/>
-              </a:spcBef>
-              <a:buNone/>
-              <a:defRPr/>
-            </a:lvl1pPr>
-          </a:lstStyle>
           <a:p>
             <a:pPr>
               <a:lnSpc>
@@ -2068,7 +1700,7 @@
               </a:spcBef>
               <a:buNone/>
             </a:pPr>
-            <a:endParaRPr lang="fi-FI" sz="2678" b="0" strike="noStrike" spc="-1">
+            <a:endParaRPr b="0" lang="fi-FI" sz="2680" spc="-1" strike="noStrike">
               <a:solidFill>
                 <a:srgbClr val="000000"/>
               </a:solidFill>
@@ -2090,7 +1722,6 @@
         <p:spPr/>
         <p:txBody>
           <a:bodyPr/>
-          <a:lstStyle/>
           <a:p>
             <a:r>
               <a:t>Footer</a:t>
@@ -2100,7 +1731,7 @@
       </p:sp>
       <p:sp>
         <p:nvSpPr>
-          <p:cNvPr id="2" name="PlaceHolder 4"/>
+          <p:cNvPr id="5" name="PlaceHolder 4"/>
           <p:cNvSpPr>
             <a:spLocks noGrp="1"/>
           </p:cNvSpPr>
@@ -2111,18 +1742,16 @@
         <p:spPr/>
         <p:txBody>
           <a:bodyPr/>
-          <a:lstStyle/>
-          <a:p>
-            <a:fld id="{179F0015-410B-49D4-8834-BB448678AB46}" type="slidenum">
-              <a:t>‹#›</a:t>
+          <a:p>
+            <a:fld id="{D1ED8900-30BB-4E3D-BAD2-E9783EE1B985}" type="slidenum">
+              <a:t>&lt;#&gt;</a:t>
             </a:fld>
-            <a:endParaRPr/>
-          </a:p>
-        </p:txBody>
-      </p:sp>
-      <p:sp>
-        <p:nvSpPr>
-          <p:cNvPr id="3" name="PlaceHolder 5"/>
+          </a:p>
+        </p:txBody>
+      </p:sp>
+      <p:sp>
+        <p:nvSpPr>
+          <p:cNvPr id="6" name="PlaceHolder 5"/>
           <p:cNvSpPr>
             <a:spLocks noGrp="1"/>
           </p:cNvSpPr>
@@ -2133,22 +1762,21 @@
         <p:spPr/>
         <p:txBody>
           <a:bodyPr/>
-          <a:lstStyle/>
-          <a:p>
-            <a:endParaRPr/>
+          <a:p>
+            <a:r>
+              <a:rPr lang="en-GB"/>
+              <a:t/>
+            </a:r>
           </a:p>
         </p:txBody>
       </p:sp>
     </p:spTree>
   </p:cSld>
-  <p:clrMapOvr>
-    <a:masterClrMapping/>
-  </p:clrMapOvr>
 </p:sldLayout>
 </file>
 
 <file path=ppt/slideLayouts/slideLayout4.xml><?xml version="1.0" encoding="utf-8"?>
-<p:sldLayout xmlns:a="http://schemas.openxmlformats.org/drawingml/2006/main" xmlns:r="http://schemas.openxmlformats.org/officeDocument/2006/relationships" xmlns:p="http://schemas.openxmlformats.org/presentationml/2006/main" type="twoObj" preserve="1">
+<p:sldLayout xmlns:a="http://schemas.openxmlformats.org/drawingml/2006/main" xmlns:p="http://schemas.openxmlformats.org/presentationml/2006/main" xmlns:r="http://schemas.openxmlformats.org/officeDocument/2006/relationships" xmlns:p14="http://schemas.microsoft.com/office/powerpoint/2010/main" xmlns:p15="http://schemas.microsoft.com/office/powerpoint/2012/main" xmlns:mc="http://schemas.openxmlformats.org/markup-compatibility/2006" type="twoObj" preserve="1">
   <p:cSld name="Title, 2 Content">
     <p:spTree>
       <p:nvGrpSpPr>
@@ -2176,8 +1804,8 @@
         </p:nvSpPr>
         <p:spPr>
           <a:xfrm>
-            <a:off x="414000" y="365967"/>
-            <a:ext cx="7451640" cy="1532721"/>
+            <a:off x="414000" y="366120"/>
+            <a:ext cx="7451640" cy="1532520"/>
           </a:xfrm>
           <a:prstGeom prst="rect">
             <a:avLst/>
@@ -2188,12 +1816,11 @@
           </a:ln>
         </p:spPr>
         <p:txBody>
-          <a:bodyPr lIns="0" tIns="0" rIns="0" bIns="0" anchor="ctr">
+          <a:bodyPr lIns="0" rIns="0" tIns="0" bIns="0" anchor="ctr">
             <a:noAutofit/>
           </a:bodyPr>
-          <a:lstStyle/>
-          <a:p>
-            <a:endParaRPr lang="fi-FI" sz="1722" b="0" strike="noStrike" spc="-1">
+          <a:p>
+            <a:endParaRPr b="0" lang="fi-FI" sz="1850" spc="-1" strike="noStrike">
               <a:solidFill>
                 <a:srgbClr val="000000"/>
               </a:solidFill>
@@ -2214,8 +1841,8 @@
         </p:nvSpPr>
         <p:spPr>
           <a:xfrm>
-            <a:off x="414000" y="2148230"/>
-            <a:ext cx="3636360" cy="5324255"/>
+            <a:off x="414000" y="2148120"/>
+            <a:ext cx="3636360" cy="5324040"/>
           </a:xfrm>
           <a:prstGeom prst="rect">
             <a:avLst/>
@@ -2226,21 +1853,9 @@
           </a:ln>
         </p:spPr>
         <p:txBody>
-          <a:bodyPr lIns="0" tIns="0" rIns="0" bIns="0" anchor="t">
+          <a:bodyPr lIns="0" rIns="0" tIns="0" bIns="0" anchor="t">
             <a:normAutofit/>
           </a:bodyPr>
-          <a:lstStyle>
-            <a:lvl1pPr>
-              <a:lnSpc>
-                <a:spcPct val="90000"/>
-              </a:lnSpc>
-              <a:spcBef>
-                <a:spcPts val="1417"/>
-              </a:spcBef>
-              <a:buNone/>
-              <a:defRPr/>
-            </a:lvl1pPr>
-          </a:lstStyle>
           <a:p>
             <a:pPr>
               <a:lnSpc>
@@ -2251,7 +1866,7 @@
               </a:spcBef>
               <a:buNone/>
             </a:pPr>
-            <a:endParaRPr lang="fi-FI" sz="2678" b="0" strike="noStrike" spc="-1">
+            <a:endParaRPr b="0" lang="fi-FI" sz="2680" spc="-1" strike="noStrike">
               <a:solidFill>
                 <a:srgbClr val="000000"/>
               </a:solidFill>
@@ -2272,8 +1887,8 @@
         </p:nvSpPr>
         <p:spPr>
           <a:xfrm>
-            <a:off x="4232520" y="2148230"/>
-            <a:ext cx="3636360" cy="5324255"/>
+            <a:off x="4232520" y="2148120"/>
+            <a:ext cx="3636360" cy="5324040"/>
           </a:xfrm>
           <a:prstGeom prst="rect">
             <a:avLst/>
@@ -2284,21 +1899,9 @@
           </a:ln>
         </p:spPr>
         <p:txBody>
-          <a:bodyPr lIns="0" tIns="0" rIns="0" bIns="0" anchor="t">
+          <a:bodyPr lIns="0" rIns="0" tIns="0" bIns="0" anchor="t">
             <a:normAutofit/>
           </a:bodyPr>
-          <a:lstStyle>
-            <a:lvl1pPr>
-              <a:lnSpc>
-                <a:spcPct val="90000"/>
-              </a:lnSpc>
-              <a:spcBef>
-                <a:spcPts val="1417"/>
-              </a:spcBef>
-              <a:buNone/>
-              <a:defRPr/>
-            </a:lvl1pPr>
-          </a:lstStyle>
           <a:p>
             <a:pPr>
               <a:lnSpc>
@@ -2309,7 +1912,7 @@
               </a:spcBef>
               <a:buNone/>
             </a:pPr>
-            <a:endParaRPr lang="fi-FI" sz="2678" b="0" strike="noStrike" spc="-1">
+            <a:endParaRPr b="0" lang="fi-FI" sz="2680" spc="-1" strike="noStrike">
               <a:solidFill>
                 <a:srgbClr val="000000"/>
               </a:solidFill>
@@ -2331,7 +1934,6 @@
         <p:spPr/>
         <p:txBody>
           <a:bodyPr/>
-          <a:lstStyle/>
           <a:p>
             <a:r>
               <a:t>Footer</a:t>
@@ -2352,18 +1954,16 @@
         <p:spPr/>
         <p:txBody>
           <a:bodyPr/>
-          <a:lstStyle/>
-          <a:p>
-            <a:fld id="{53BCF8B0-8D8A-45FE-8157-5095477EE5BD}" type="slidenum">
-              <a:t>‹#›</a:t>
+          <a:p>
+            <a:fld id="{9988403E-7F85-4272-A0A5-BAC7EF0413EE}" type="slidenum">
+              <a:t>&lt;#&gt;</a:t>
             </a:fld>
-            <a:endParaRPr/>
-          </a:p>
-        </p:txBody>
-      </p:sp>
-      <p:sp>
-        <p:nvSpPr>
-          <p:cNvPr id="2" name="PlaceHolder 6"/>
+          </a:p>
+        </p:txBody>
+      </p:sp>
+      <p:sp>
+        <p:nvSpPr>
+          <p:cNvPr id="7" name="PlaceHolder 6"/>
           <p:cNvSpPr>
             <a:spLocks noGrp="1"/>
           </p:cNvSpPr>
@@ -2374,22 +1974,21 @@
         <p:spPr/>
         <p:txBody>
           <a:bodyPr/>
-          <a:lstStyle/>
-          <a:p>
-            <a:endParaRPr/>
+          <a:p>
+            <a:r>
+              <a:rPr lang="en-GB"/>
+              <a:t/>
+            </a:r>
           </a:p>
         </p:txBody>
       </p:sp>
     </p:spTree>
   </p:cSld>
-  <p:clrMapOvr>
-    <a:masterClrMapping/>
-  </p:clrMapOvr>
 </p:sldLayout>
 </file>
 
 <file path=ppt/slideLayouts/slideLayout5.xml><?xml version="1.0" encoding="utf-8"?>
-<p:sldLayout xmlns:a="http://schemas.openxmlformats.org/drawingml/2006/main" xmlns:r="http://schemas.openxmlformats.org/officeDocument/2006/relationships" xmlns:p="http://schemas.openxmlformats.org/presentationml/2006/main" type="titleOnly" preserve="1">
+<p:sldLayout xmlns:a="http://schemas.openxmlformats.org/drawingml/2006/main" xmlns:p="http://schemas.openxmlformats.org/presentationml/2006/main" xmlns:r="http://schemas.openxmlformats.org/officeDocument/2006/relationships" xmlns:p14="http://schemas.microsoft.com/office/powerpoint/2010/main" xmlns:p15="http://schemas.microsoft.com/office/powerpoint/2012/main" xmlns:mc="http://schemas.openxmlformats.org/markup-compatibility/2006" type="titleOnly" preserve="1">
   <p:cSld name="Title Only">
     <p:spTree>
       <p:nvGrpSpPr>
@@ -2417,8 +2016,8 @@
         </p:nvSpPr>
         <p:spPr>
           <a:xfrm>
-            <a:off x="414000" y="365967"/>
-            <a:ext cx="7451640" cy="1532721"/>
+            <a:off x="414000" y="366120"/>
+            <a:ext cx="7451640" cy="1532520"/>
           </a:xfrm>
           <a:prstGeom prst="rect">
             <a:avLst/>
@@ -2429,12 +2028,11 @@
           </a:ln>
         </p:spPr>
         <p:txBody>
-          <a:bodyPr lIns="0" tIns="0" rIns="0" bIns="0" anchor="ctr">
+          <a:bodyPr lIns="0" rIns="0" tIns="0" bIns="0" anchor="ctr">
             <a:noAutofit/>
           </a:bodyPr>
-          <a:lstStyle/>
-          <a:p>
-            <a:endParaRPr lang="fi-FI" sz="1722" b="0" strike="noStrike" spc="-1">
+          <a:p>
+            <a:endParaRPr b="0" lang="fi-FI" sz="1850" spc="-1" strike="noStrike">
               <a:solidFill>
                 <a:srgbClr val="000000"/>
               </a:solidFill>
@@ -2456,7 +2054,6 @@
         <p:spPr/>
         <p:txBody>
           <a:bodyPr/>
-          <a:lstStyle/>
           <a:p>
             <a:r>
               <a:t>Footer</a:t>
@@ -2477,12 +2074,10 @@
         <p:spPr/>
         <p:txBody>
           <a:bodyPr/>
-          <a:lstStyle/>
-          <a:p>
-            <a:fld id="{C75A35FB-96D5-458E-9721-8ED8CC73B084}" type="slidenum">
-              <a:t>‹#›</a:t>
+          <a:p>
+            <a:fld id="{2BF459A1-5332-4BA0-B6C4-497F412840CF}" type="slidenum">
+              <a:t>&lt;#&gt;</a:t>
             </a:fld>
-            <a:endParaRPr/>
           </a:p>
         </p:txBody>
       </p:sp>
@@ -2499,22 +2094,21 @@
         <p:spPr/>
         <p:txBody>
           <a:bodyPr/>
-          <a:lstStyle/>
-          <a:p>
-            <a:endParaRPr/>
+          <a:p>
+            <a:r>
+              <a:rPr lang="en-GB"/>
+              <a:t/>
+            </a:r>
           </a:p>
         </p:txBody>
       </p:sp>
     </p:spTree>
   </p:cSld>
-  <p:clrMapOvr>
-    <a:masterClrMapping/>
-  </p:clrMapOvr>
 </p:sldLayout>
 </file>
 
 <file path=ppt/slideLayouts/slideLayout6.xml><?xml version="1.0" encoding="utf-8"?>
-<p:sldLayout xmlns:a="http://schemas.openxmlformats.org/drawingml/2006/main" xmlns:r="http://schemas.openxmlformats.org/officeDocument/2006/relationships" xmlns:p="http://schemas.openxmlformats.org/presentationml/2006/main" type="objOnly" preserve="1">
+<p:sldLayout xmlns:a="http://schemas.openxmlformats.org/drawingml/2006/main" xmlns:p="http://schemas.openxmlformats.org/presentationml/2006/main" xmlns:r="http://schemas.openxmlformats.org/officeDocument/2006/relationships" xmlns:p14="http://schemas.microsoft.com/office/powerpoint/2010/main" xmlns:p15="http://schemas.microsoft.com/office/powerpoint/2012/main" xmlns:mc="http://schemas.openxmlformats.org/markup-compatibility/2006" type="objOnly" preserve="1">
   <p:cSld name="Centered Text">
     <p:spTree>
       <p:nvGrpSpPr>
@@ -2542,8 +2136,8 @@
         </p:nvSpPr>
         <p:spPr>
           <a:xfrm>
-            <a:off x="414000" y="365967"/>
-            <a:ext cx="7451640" cy="7106100"/>
+            <a:off x="414000" y="366120"/>
+            <a:ext cx="7451640" cy="7105320"/>
           </a:xfrm>
           <a:prstGeom prst="rect">
             <a:avLst/>
@@ -2554,15 +2148,14 @@
           </a:ln>
         </p:spPr>
         <p:txBody>
-          <a:bodyPr lIns="0" tIns="0" rIns="0" bIns="0" anchor="ctr">
+          <a:bodyPr lIns="0" rIns="0" tIns="0" bIns="0" anchor="ctr">
             <a:noAutofit/>
           </a:bodyPr>
-          <a:lstStyle/>
           <a:p>
             <a:pPr algn="ctr">
               <a:buNone/>
             </a:pPr>
-            <a:endParaRPr lang="en-GB" sz="3061" b="0" strike="noStrike" spc="-1">
+            <a:endParaRPr b="0" lang="en-GB" sz="3200" spc="-1" strike="noStrike">
               <a:latin typeface="Arial"/>
             </a:endParaRPr>
           </a:p>
@@ -2581,7 +2174,6 @@
         <p:spPr/>
         <p:txBody>
           <a:bodyPr/>
-          <a:lstStyle/>
           <a:p>
             <a:r>
               <a:t>Footer</a:t>
@@ -2602,12 +2194,10 @@
         <p:spPr/>
         <p:txBody>
           <a:bodyPr/>
-          <a:lstStyle/>
-          <a:p>
-            <a:fld id="{2B399EDF-23AF-45CE-9C13-60F742F61CD4}" type="slidenum">
-              <a:t>‹#›</a:t>
+          <a:p>
+            <a:fld id="{5DE72E23-6931-4057-BDE3-EC35D2690F06}" type="slidenum">
+              <a:t>&lt;#&gt;</a:t>
             </a:fld>
-            <a:endParaRPr/>
           </a:p>
         </p:txBody>
       </p:sp>
@@ -2624,22 +2214,21 @@
         <p:spPr/>
         <p:txBody>
           <a:bodyPr/>
-          <a:lstStyle/>
-          <a:p>
-            <a:endParaRPr/>
+          <a:p>
+            <a:r>
+              <a:rPr lang="en-GB"/>
+              <a:t/>
+            </a:r>
           </a:p>
         </p:txBody>
       </p:sp>
     </p:spTree>
   </p:cSld>
-  <p:clrMapOvr>
-    <a:masterClrMapping/>
-  </p:clrMapOvr>
 </p:sldLayout>
 </file>
 
 <file path=ppt/slideLayouts/slideLayout7.xml><?xml version="1.0" encoding="utf-8"?>
-<p:sldLayout xmlns:a="http://schemas.openxmlformats.org/drawingml/2006/main" xmlns:r="http://schemas.openxmlformats.org/officeDocument/2006/relationships" xmlns:p="http://schemas.openxmlformats.org/presentationml/2006/main" type="twoObjAndObj" preserve="1">
+<p:sldLayout xmlns:a="http://schemas.openxmlformats.org/drawingml/2006/main" xmlns:p="http://schemas.openxmlformats.org/presentationml/2006/main" xmlns:r="http://schemas.openxmlformats.org/officeDocument/2006/relationships" xmlns:p14="http://schemas.microsoft.com/office/powerpoint/2010/main" xmlns:p15="http://schemas.microsoft.com/office/powerpoint/2012/main" xmlns:mc="http://schemas.openxmlformats.org/markup-compatibility/2006" type="twoObjAndObj" preserve="1">
   <p:cSld name="Title, 2 Content and Content">
     <p:spTree>
       <p:nvGrpSpPr>
@@ -2667,8 +2256,8 @@
         </p:nvSpPr>
         <p:spPr>
           <a:xfrm>
-            <a:off x="414000" y="365967"/>
-            <a:ext cx="7451640" cy="1532721"/>
+            <a:off x="414000" y="366120"/>
+            <a:ext cx="7451640" cy="1532520"/>
           </a:xfrm>
           <a:prstGeom prst="rect">
             <a:avLst/>
@@ -2679,12 +2268,11 @@
           </a:ln>
         </p:spPr>
         <p:txBody>
-          <a:bodyPr lIns="0" tIns="0" rIns="0" bIns="0" anchor="ctr">
+          <a:bodyPr lIns="0" rIns="0" tIns="0" bIns="0" anchor="ctr">
             <a:noAutofit/>
           </a:bodyPr>
-          <a:lstStyle/>
-          <a:p>
-            <a:endParaRPr lang="fi-FI" sz="1722" b="0" strike="noStrike" spc="-1">
+          <a:p>
+            <a:endParaRPr b="0" lang="fi-FI" sz="1850" spc="-1" strike="noStrike">
               <a:solidFill>
                 <a:srgbClr val="000000"/>
               </a:solidFill>
@@ -2705,8 +2293,8 @@
         </p:nvSpPr>
         <p:spPr>
           <a:xfrm>
-            <a:off x="414000" y="2148230"/>
-            <a:ext cx="3636360" cy="2539652"/>
+            <a:off x="414000" y="2148120"/>
+            <a:ext cx="3636360" cy="2539440"/>
           </a:xfrm>
           <a:prstGeom prst="rect">
             <a:avLst/>
@@ -2717,21 +2305,9 @@
           </a:ln>
         </p:spPr>
         <p:txBody>
-          <a:bodyPr lIns="0" tIns="0" rIns="0" bIns="0" anchor="t">
+          <a:bodyPr lIns="0" rIns="0" tIns="0" bIns="0" anchor="t">
             <a:normAutofit/>
           </a:bodyPr>
-          <a:lstStyle>
-            <a:lvl1pPr>
-              <a:lnSpc>
-                <a:spcPct val="90000"/>
-              </a:lnSpc>
-              <a:spcBef>
-                <a:spcPts val="1417"/>
-              </a:spcBef>
-              <a:buNone/>
-              <a:defRPr/>
-            </a:lvl1pPr>
-          </a:lstStyle>
           <a:p>
             <a:pPr>
               <a:lnSpc>
@@ -2742,7 +2318,7 @@
               </a:spcBef>
               <a:buNone/>
             </a:pPr>
-            <a:endParaRPr lang="fi-FI" sz="2678" b="0" strike="noStrike" spc="-1">
+            <a:endParaRPr b="0" lang="fi-FI" sz="2680" spc="-1" strike="noStrike">
               <a:solidFill>
                 <a:srgbClr val="000000"/>
               </a:solidFill>
@@ -2763,8 +2339,8 @@
         </p:nvSpPr>
         <p:spPr>
           <a:xfrm>
-            <a:off x="4232520" y="2148230"/>
-            <a:ext cx="3636360" cy="5324255"/>
+            <a:off x="4232520" y="2148120"/>
+            <a:ext cx="3636360" cy="5324040"/>
           </a:xfrm>
           <a:prstGeom prst="rect">
             <a:avLst/>
@@ -2775,21 +2351,9 @@
           </a:ln>
         </p:spPr>
         <p:txBody>
-          <a:bodyPr lIns="0" tIns="0" rIns="0" bIns="0" anchor="t">
+          <a:bodyPr lIns="0" rIns="0" tIns="0" bIns="0" anchor="t">
             <a:normAutofit/>
           </a:bodyPr>
-          <a:lstStyle>
-            <a:lvl1pPr>
-              <a:lnSpc>
-                <a:spcPct val="90000"/>
-              </a:lnSpc>
-              <a:spcBef>
-                <a:spcPts val="1417"/>
-              </a:spcBef>
-              <a:buNone/>
-              <a:defRPr/>
-            </a:lvl1pPr>
-          </a:lstStyle>
           <a:p>
             <a:pPr>
               <a:lnSpc>
@@ -2800,7 +2364,7 @@
               </a:spcBef>
               <a:buNone/>
             </a:pPr>
-            <a:endParaRPr lang="fi-FI" sz="2678" b="0" strike="noStrike" spc="-1">
+            <a:endParaRPr b="0" lang="fi-FI" sz="2680" spc="-1" strike="noStrike">
               <a:solidFill>
                 <a:srgbClr val="000000"/>
               </a:solidFill>
@@ -2821,8 +2385,8 @@
         </p:nvSpPr>
         <p:spPr>
           <a:xfrm>
-            <a:off x="414000" y="4929495"/>
-            <a:ext cx="3636360" cy="2539652"/>
+            <a:off x="414000" y="4929120"/>
+            <a:ext cx="3636360" cy="2539440"/>
           </a:xfrm>
           <a:prstGeom prst="rect">
             <a:avLst/>
@@ -2833,21 +2397,9 @@
           </a:ln>
         </p:spPr>
         <p:txBody>
-          <a:bodyPr lIns="0" tIns="0" rIns="0" bIns="0" anchor="t">
+          <a:bodyPr lIns="0" rIns="0" tIns="0" bIns="0" anchor="t">
             <a:normAutofit/>
           </a:bodyPr>
-          <a:lstStyle>
-            <a:lvl1pPr>
-              <a:lnSpc>
-                <a:spcPct val="90000"/>
-              </a:lnSpc>
-              <a:spcBef>
-                <a:spcPts val="1417"/>
-              </a:spcBef>
-              <a:buNone/>
-              <a:defRPr/>
-            </a:lvl1pPr>
-          </a:lstStyle>
           <a:p>
             <a:pPr>
               <a:lnSpc>
@@ -2858,7 +2410,7 @@
               </a:spcBef>
               <a:buNone/>
             </a:pPr>
-            <a:endParaRPr lang="fi-FI" sz="2678" b="0" strike="noStrike" spc="-1">
+            <a:endParaRPr b="0" lang="fi-FI" sz="2680" spc="-1" strike="noStrike">
               <a:solidFill>
                 <a:srgbClr val="000000"/>
               </a:solidFill>
@@ -2880,7 +2432,6 @@
         <p:spPr/>
         <p:txBody>
           <a:bodyPr/>
-          <a:lstStyle/>
           <a:p>
             <a:r>
               <a:t>Footer</a:t>
@@ -2901,12 +2452,10 @@
         <p:spPr/>
         <p:txBody>
           <a:bodyPr/>
-          <a:lstStyle/>
-          <a:p>
-            <a:fld id="{02CA3805-493A-4E81-A77C-A97A7E0CB7D4}" type="slidenum">
-              <a:t>‹#›</a:t>
+          <a:p>
+            <a:fld id="{344D55F8-3C2A-444E-B519-F33E1AA4BCAC}" type="slidenum">
+              <a:t>&lt;#&gt;</a:t>
             </a:fld>
-            <a:endParaRPr/>
           </a:p>
         </p:txBody>
       </p:sp>
@@ -2923,22 +2472,21 @@
         <p:spPr/>
         <p:txBody>
           <a:bodyPr/>
-          <a:lstStyle/>
-          <a:p>
-            <a:endParaRPr/>
+          <a:p>
+            <a:r>
+              <a:rPr lang="en-GB"/>
+              <a:t/>
+            </a:r>
           </a:p>
         </p:txBody>
       </p:sp>
     </p:spTree>
   </p:cSld>
-  <p:clrMapOvr>
-    <a:masterClrMapping/>
-  </p:clrMapOvr>
 </p:sldLayout>
 </file>
 
 <file path=ppt/slideLayouts/slideLayout8.xml><?xml version="1.0" encoding="utf-8"?>
-<p:sldLayout xmlns:a="http://schemas.openxmlformats.org/drawingml/2006/main" xmlns:r="http://schemas.openxmlformats.org/officeDocument/2006/relationships" xmlns:p="http://schemas.openxmlformats.org/presentationml/2006/main" type="objAndTwoObj" preserve="1">
+<p:sldLayout xmlns:a="http://schemas.openxmlformats.org/drawingml/2006/main" xmlns:p="http://schemas.openxmlformats.org/presentationml/2006/main" xmlns:r="http://schemas.openxmlformats.org/officeDocument/2006/relationships" xmlns:p14="http://schemas.microsoft.com/office/powerpoint/2010/main" xmlns:p15="http://schemas.microsoft.com/office/powerpoint/2012/main" xmlns:mc="http://schemas.openxmlformats.org/markup-compatibility/2006" type="objAndTwoObj" preserve="1">
   <p:cSld name="Title Content and 2 Content">
     <p:spTree>
       <p:nvGrpSpPr>
@@ -2966,8 +2514,8 @@
         </p:nvSpPr>
         <p:spPr>
           <a:xfrm>
-            <a:off x="414000" y="365967"/>
-            <a:ext cx="7451640" cy="1532721"/>
+            <a:off x="414000" y="366120"/>
+            <a:ext cx="7451640" cy="1532520"/>
           </a:xfrm>
           <a:prstGeom prst="rect">
             <a:avLst/>
@@ -2978,12 +2526,11 @@
           </a:ln>
         </p:spPr>
         <p:txBody>
-          <a:bodyPr lIns="0" tIns="0" rIns="0" bIns="0" anchor="ctr">
+          <a:bodyPr lIns="0" rIns="0" tIns="0" bIns="0" anchor="ctr">
             <a:noAutofit/>
           </a:bodyPr>
-          <a:lstStyle/>
-          <a:p>
-            <a:endParaRPr lang="fi-FI" sz="1722" b="0" strike="noStrike" spc="-1">
+          <a:p>
+            <a:endParaRPr b="0" lang="fi-FI" sz="1850" spc="-1" strike="noStrike">
               <a:solidFill>
                 <a:srgbClr val="000000"/>
               </a:solidFill>
@@ -3004,8 +2551,8 @@
         </p:nvSpPr>
         <p:spPr>
           <a:xfrm>
-            <a:off x="414000" y="2148230"/>
-            <a:ext cx="3636360" cy="5324255"/>
+            <a:off x="414000" y="2148120"/>
+            <a:ext cx="3636360" cy="5324040"/>
           </a:xfrm>
           <a:prstGeom prst="rect">
             <a:avLst/>
@@ -3016,21 +2563,9 @@
           </a:ln>
         </p:spPr>
         <p:txBody>
-          <a:bodyPr lIns="0" tIns="0" rIns="0" bIns="0" anchor="t">
+          <a:bodyPr lIns="0" rIns="0" tIns="0" bIns="0" anchor="t">
             <a:normAutofit/>
           </a:bodyPr>
-          <a:lstStyle>
-            <a:lvl1pPr>
-              <a:lnSpc>
-                <a:spcPct val="90000"/>
-              </a:lnSpc>
-              <a:spcBef>
-                <a:spcPts val="1417"/>
-              </a:spcBef>
-              <a:buNone/>
-              <a:defRPr/>
-            </a:lvl1pPr>
-          </a:lstStyle>
           <a:p>
             <a:pPr>
               <a:lnSpc>
@@ -3041,7 +2576,7 @@
               </a:spcBef>
               <a:buNone/>
             </a:pPr>
-            <a:endParaRPr lang="fi-FI" sz="2678" b="0" strike="noStrike" spc="-1">
+            <a:endParaRPr b="0" lang="fi-FI" sz="2680" spc="-1" strike="noStrike">
               <a:solidFill>
                 <a:srgbClr val="000000"/>
               </a:solidFill>
@@ -3062,8 +2597,8 @@
         </p:nvSpPr>
         <p:spPr>
           <a:xfrm>
-            <a:off x="4232520" y="2148230"/>
-            <a:ext cx="3636360" cy="2539652"/>
+            <a:off x="4232520" y="2148120"/>
+            <a:ext cx="3636360" cy="2539440"/>
           </a:xfrm>
           <a:prstGeom prst="rect">
             <a:avLst/>
@@ -3074,21 +2609,9 @@
           </a:ln>
         </p:spPr>
         <p:txBody>
-          <a:bodyPr lIns="0" tIns="0" rIns="0" bIns="0" anchor="t">
+          <a:bodyPr lIns="0" rIns="0" tIns="0" bIns="0" anchor="t">
             <a:normAutofit/>
           </a:bodyPr>
-          <a:lstStyle>
-            <a:lvl1pPr>
-              <a:lnSpc>
-                <a:spcPct val="90000"/>
-              </a:lnSpc>
-              <a:spcBef>
-                <a:spcPts val="1417"/>
-              </a:spcBef>
-              <a:buNone/>
-              <a:defRPr/>
-            </a:lvl1pPr>
-          </a:lstStyle>
           <a:p>
             <a:pPr>
               <a:lnSpc>
@@ -3099,7 +2622,7 @@
               </a:spcBef>
               <a:buNone/>
             </a:pPr>
-            <a:endParaRPr lang="fi-FI" sz="2678" b="0" strike="noStrike" spc="-1">
+            <a:endParaRPr b="0" lang="fi-FI" sz="2680" spc="-1" strike="noStrike">
               <a:solidFill>
                 <a:srgbClr val="000000"/>
               </a:solidFill>
@@ -3120,8 +2643,8 @@
         </p:nvSpPr>
         <p:spPr>
           <a:xfrm>
-            <a:off x="4232520" y="4929495"/>
-            <a:ext cx="3636360" cy="2539652"/>
+            <a:off x="4232520" y="4929120"/>
+            <a:ext cx="3636360" cy="2539440"/>
           </a:xfrm>
           <a:prstGeom prst="rect">
             <a:avLst/>
@@ -3132,21 +2655,9 @@
           </a:ln>
         </p:spPr>
         <p:txBody>
-          <a:bodyPr lIns="0" tIns="0" rIns="0" bIns="0" anchor="t">
+          <a:bodyPr lIns="0" rIns="0" tIns="0" bIns="0" anchor="t">
             <a:normAutofit/>
           </a:bodyPr>
-          <a:lstStyle>
-            <a:lvl1pPr>
-              <a:lnSpc>
-                <a:spcPct val="90000"/>
-              </a:lnSpc>
-              <a:spcBef>
-                <a:spcPts val="1417"/>
-              </a:spcBef>
-              <a:buNone/>
-              <a:defRPr/>
-            </a:lvl1pPr>
-          </a:lstStyle>
           <a:p>
             <a:pPr>
               <a:lnSpc>
@@ -3157,7 +2668,7 @@
               </a:spcBef>
               <a:buNone/>
             </a:pPr>
-            <a:endParaRPr lang="fi-FI" sz="2678" b="0" strike="noStrike" spc="-1">
+            <a:endParaRPr b="0" lang="fi-FI" sz="2680" spc="-1" strike="noStrike">
               <a:solidFill>
                 <a:srgbClr val="000000"/>
               </a:solidFill>
@@ -3179,7 +2690,6 @@
         <p:spPr/>
         <p:txBody>
           <a:bodyPr/>
-          <a:lstStyle/>
           <a:p>
             <a:r>
               <a:t>Footer</a:t>
@@ -3200,12 +2710,10 @@
         <p:spPr/>
         <p:txBody>
           <a:bodyPr/>
-          <a:lstStyle/>
-          <a:p>
-            <a:fld id="{D3025599-B9DD-42CC-A166-E5F95D874CCF}" type="slidenum">
-              <a:t>‹#›</a:t>
+          <a:p>
+            <a:fld id="{A6420F3C-D30C-4AFF-A390-1BDCBC03A7BE}" type="slidenum">
+              <a:t>&lt;#&gt;</a:t>
             </a:fld>
-            <a:endParaRPr/>
           </a:p>
         </p:txBody>
       </p:sp>
@@ -3222,22 +2730,21 @@
         <p:spPr/>
         <p:txBody>
           <a:bodyPr/>
-          <a:lstStyle/>
-          <a:p>
-            <a:endParaRPr/>
+          <a:p>
+            <a:r>
+              <a:rPr lang="en-GB"/>
+              <a:t/>
+            </a:r>
           </a:p>
         </p:txBody>
       </p:sp>
     </p:spTree>
   </p:cSld>
-  <p:clrMapOvr>
-    <a:masterClrMapping/>
-  </p:clrMapOvr>
 </p:sldLayout>
 </file>
 
 <file path=ppt/slideLayouts/slideLayout9.xml><?xml version="1.0" encoding="utf-8"?>
-<p:sldLayout xmlns:a="http://schemas.openxmlformats.org/drawingml/2006/main" xmlns:r="http://schemas.openxmlformats.org/officeDocument/2006/relationships" xmlns:p="http://schemas.openxmlformats.org/presentationml/2006/main" type="twoObjOverTx" preserve="1">
+<p:sldLayout xmlns:a="http://schemas.openxmlformats.org/drawingml/2006/main" xmlns:p="http://schemas.openxmlformats.org/presentationml/2006/main" xmlns:r="http://schemas.openxmlformats.org/officeDocument/2006/relationships" xmlns:p14="http://schemas.microsoft.com/office/powerpoint/2010/main" xmlns:p15="http://schemas.microsoft.com/office/powerpoint/2012/main" xmlns:mc="http://schemas.openxmlformats.org/markup-compatibility/2006" type="twoObjOverTx" preserve="1">
   <p:cSld name="Title, 2 Content over Content">
     <p:spTree>
       <p:nvGrpSpPr>
@@ -3265,8 +2772,8 @@
         </p:nvSpPr>
         <p:spPr>
           <a:xfrm>
-            <a:off x="414000" y="365967"/>
-            <a:ext cx="7451640" cy="1532721"/>
+            <a:off x="414000" y="366120"/>
+            <a:ext cx="7451640" cy="1532520"/>
           </a:xfrm>
           <a:prstGeom prst="rect">
             <a:avLst/>
@@ -3277,12 +2784,11 @@
           </a:ln>
         </p:spPr>
         <p:txBody>
-          <a:bodyPr lIns="0" tIns="0" rIns="0" bIns="0" anchor="ctr">
+          <a:bodyPr lIns="0" rIns="0" tIns="0" bIns="0" anchor="ctr">
             <a:noAutofit/>
           </a:bodyPr>
-          <a:lstStyle/>
-          <a:p>
-            <a:endParaRPr lang="fi-FI" sz="1722" b="0" strike="noStrike" spc="-1">
+          <a:p>
+            <a:endParaRPr b="0" lang="fi-FI" sz="1850" spc="-1" strike="noStrike">
               <a:solidFill>
                 <a:srgbClr val="000000"/>
               </a:solidFill>
@@ -3303,8 +2809,8 @@
         </p:nvSpPr>
         <p:spPr>
           <a:xfrm>
-            <a:off x="414000" y="2148230"/>
-            <a:ext cx="3636360" cy="2539652"/>
+            <a:off x="414000" y="2148120"/>
+            <a:ext cx="3636360" cy="2539440"/>
           </a:xfrm>
           <a:prstGeom prst="rect">
             <a:avLst/>
@@ -3315,21 +2821,9 @@
           </a:ln>
         </p:spPr>
         <p:txBody>
-          <a:bodyPr lIns="0" tIns="0" rIns="0" bIns="0" anchor="t">
+          <a:bodyPr lIns="0" rIns="0" tIns="0" bIns="0" anchor="t">
             <a:normAutofit/>
           </a:bodyPr>
-          <a:lstStyle>
-            <a:lvl1pPr>
-              <a:lnSpc>
-                <a:spcPct val="90000"/>
-              </a:lnSpc>
-              <a:spcBef>
-                <a:spcPts val="1417"/>
-              </a:spcBef>
-              <a:buNone/>
-              <a:defRPr/>
-            </a:lvl1pPr>
-          </a:lstStyle>
           <a:p>
             <a:pPr>
               <a:lnSpc>
@@ -3340,7 +2834,7 @@
               </a:spcBef>
               <a:buNone/>
             </a:pPr>
-            <a:endParaRPr lang="fi-FI" sz="2678" b="0" strike="noStrike" spc="-1">
+            <a:endParaRPr b="0" lang="fi-FI" sz="2680" spc="-1" strike="noStrike">
               <a:solidFill>
                 <a:srgbClr val="000000"/>
               </a:solidFill>
@@ -3361,8 +2855,8 @@
         </p:nvSpPr>
         <p:spPr>
           <a:xfrm>
-            <a:off x="4232520" y="2148230"/>
-            <a:ext cx="3636360" cy="2539652"/>
+            <a:off x="4232520" y="2148120"/>
+            <a:ext cx="3636360" cy="2539440"/>
           </a:xfrm>
           <a:prstGeom prst="rect">
             <a:avLst/>
@@ -3373,21 +2867,9 @@
           </a:ln>
         </p:spPr>
         <p:txBody>
-          <a:bodyPr lIns="0" tIns="0" rIns="0" bIns="0" anchor="t">
+          <a:bodyPr lIns="0" rIns="0" tIns="0" bIns="0" anchor="t">
             <a:normAutofit/>
           </a:bodyPr>
-          <a:lstStyle>
-            <a:lvl1pPr>
-              <a:lnSpc>
-                <a:spcPct val="90000"/>
-              </a:lnSpc>
-              <a:spcBef>
-                <a:spcPts val="1417"/>
-              </a:spcBef>
-              <a:buNone/>
-              <a:defRPr/>
-            </a:lvl1pPr>
-          </a:lstStyle>
           <a:p>
             <a:pPr>
               <a:lnSpc>
@@ -3398,7 +2880,7 @@
               </a:spcBef>
               <a:buNone/>
             </a:pPr>
-            <a:endParaRPr lang="fi-FI" sz="2678" b="0" strike="noStrike" spc="-1">
+            <a:endParaRPr b="0" lang="fi-FI" sz="2680" spc="-1" strike="noStrike">
               <a:solidFill>
                 <a:srgbClr val="000000"/>
               </a:solidFill>
@@ -3419,8 +2901,8 @@
         </p:nvSpPr>
         <p:spPr>
           <a:xfrm>
-            <a:off x="414000" y="4929495"/>
-            <a:ext cx="7451640" cy="2539652"/>
+            <a:off x="414000" y="4929120"/>
+            <a:ext cx="7451640" cy="2539440"/>
           </a:xfrm>
           <a:prstGeom prst="rect">
             <a:avLst/>
@@ -3431,21 +2913,9 @@
           </a:ln>
         </p:spPr>
         <p:txBody>
-          <a:bodyPr lIns="0" tIns="0" rIns="0" bIns="0" anchor="t">
+          <a:bodyPr lIns="0" rIns="0" tIns="0" bIns="0" anchor="t">
             <a:normAutofit/>
           </a:bodyPr>
-          <a:lstStyle>
-            <a:lvl1pPr>
-              <a:lnSpc>
-                <a:spcPct val="90000"/>
-              </a:lnSpc>
-              <a:spcBef>
-                <a:spcPts val="1417"/>
-              </a:spcBef>
-              <a:buNone/>
-              <a:defRPr/>
-            </a:lvl1pPr>
-          </a:lstStyle>
           <a:p>
             <a:pPr>
               <a:lnSpc>
@@ -3456,7 +2926,7 @@
               </a:spcBef>
               <a:buNone/>
             </a:pPr>
-            <a:endParaRPr lang="fi-FI" sz="2678" b="0" strike="noStrike" spc="-1">
+            <a:endParaRPr b="0" lang="fi-FI" sz="2680" spc="-1" strike="noStrike">
               <a:solidFill>
                 <a:srgbClr val="000000"/>
               </a:solidFill>
@@ -3478,7 +2948,6 @@
         <p:spPr/>
         <p:txBody>
           <a:bodyPr/>
-          <a:lstStyle/>
           <a:p>
             <a:r>
               <a:t>Footer</a:t>
@@ -3499,12 +2968,10 @@
         <p:spPr/>
         <p:txBody>
           <a:bodyPr/>
-          <a:lstStyle/>
-          <a:p>
-            <a:fld id="{71FF1173-812E-4AF2-9EC8-A0BE62057176}" type="slidenum">
-              <a:t>‹#›</a:t>
+          <a:p>
+            <a:fld id="{6536C7D3-AC27-4306-8833-17D53DB6AEEC}" type="slidenum">
+              <a:t>&lt;#&gt;</a:t>
             </a:fld>
-            <a:endParaRPr/>
           </a:p>
         </p:txBody>
       </p:sp>
@@ -3521,29 +2988,27 @@
         <p:spPr/>
         <p:txBody>
           <a:bodyPr/>
-          <a:lstStyle/>
-          <a:p>
-            <a:endParaRPr/>
+          <a:p>
+            <a:r>
+              <a:rPr lang="en-GB"/>
+              <a:t/>
+            </a:r>
           </a:p>
         </p:txBody>
       </p:sp>
     </p:spTree>
   </p:cSld>
-  <p:clrMapOvr>
-    <a:masterClrMapping/>
-  </p:clrMapOvr>
 </p:sldLayout>
 </file>
 
 <file path=ppt/slideMasters/slideMaster1.xml><?xml version="1.0" encoding="utf-8"?>
-<p:sldMaster xmlns:a="http://schemas.openxmlformats.org/drawingml/2006/main" xmlns:r="http://schemas.openxmlformats.org/officeDocument/2006/relationships" xmlns:p="http://schemas.openxmlformats.org/presentationml/2006/main">
+<p:sldMaster xmlns:a="http://schemas.openxmlformats.org/drawingml/2006/main" xmlns:p="http://schemas.openxmlformats.org/presentationml/2006/main" xmlns:r="http://schemas.openxmlformats.org/officeDocument/2006/relationships" xmlns:p14="http://schemas.microsoft.com/office/powerpoint/2010/main" xmlns:p15="http://schemas.microsoft.com/office/powerpoint/2012/main" xmlns:mc="http://schemas.openxmlformats.org/markup-compatibility/2006">
   <p:cSld>
     <p:bg>
       <p:bgPr>
         <a:solidFill>
-          <a:srgbClr val="FFFFFF"/>
+          <a:srgbClr val="ffffff"/>
         </a:solidFill>
-        <a:effectLst/>
       </p:bgPr>
     </p:bg>
     <p:spTree>
@@ -3562,7 +3027,7 @@
       </p:grpSpPr>
       <p:sp>
         <p:nvSpPr>
-          <p:cNvPr id="3" name="PlaceHolder 1"/>
+          <p:cNvPr id="0" name="PlaceHolder 1"/>
           <p:cNvSpPr>
             <a:spLocks noGrp="1"/>
           </p:cNvSpPr>
@@ -3572,8 +3037,8 @@
         </p:nvSpPr>
         <p:spPr>
           <a:xfrm>
-            <a:off x="2831760" y="8362573"/>
-            <a:ext cx="2613600" cy="613422"/>
+            <a:off x="2831760" y="8362440"/>
+            <a:ext cx="2613240" cy="613080"/>
           </a:xfrm>
           <a:prstGeom prst="rect">
             <a:avLst/>
@@ -3584,7 +3049,7 @@
           </a:ln>
         </p:spPr>
         <p:txBody>
-          <a:bodyPr lIns="0" tIns="0" rIns="0" bIns="0" anchor="t">
+          <a:bodyPr lIns="0" rIns="0" tIns="0" bIns="0" anchor="t">
             <a:noAutofit/>
           </a:bodyPr>
           <a:lstStyle>
@@ -3593,7 +3058,7 @@
                 <a:spcPct val="100000"/>
               </a:lnSpc>
               <a:buNone/>
-              <a:defRPr lang="en-GB" sz="316" b="0" strike="noStrike" spc="-1">
+              <a:defRPr b="0" lang="en-GB" sz="310" spc="-1" strike="noStrike">
                 <a:solidFill>
                   <a:srgbClr val="000000"/>
                 </a:solidFill>
@@ -3610,15 +3075,16 @@
               <a:buNone/>
             </a:pPr>
             <a:r>
-              <a:rPr lang="en-GB" sz="316" b="0" strike="noStrike" spc="-1">
+              <a:rPr b="0" lang="en-GB" sz="310" spc="-1" strike="noStrike">
                 <a:solidFill>
                   <a:srgbClr val="000000"/>
                 </a:solidFill>
                 <a:latin typeface="Times New Roman"/>
+                <a:ea typeface="DejaVu Sans"/>
               </a:rPr>
               <a:t>&lt;footer&gt;</a:t>
             </a:r>
-            <a:endParaRPr lang="en-GB" sz="316" b="0" strike="noStrike" spc="-1">
+            <a:endParaRPr b="0" lang="en-GB" sz="310" spc="-1" strike="noStrike">
               <a:latin typeface="Times New Roman"/>
             </a:endParaRPr>
           </a:p>
@@ -3626,7 +3092,7 @@
       </p:sp>
       <p:sp>
         <p:nvSpPr>
-          <p:cNvPr id="4" name="PlaceHolder 2"/>
+          <p:cNvPr id="1" name="PlaceHolder 2"/>
           <p:cNvSpPr>
             <a:spLocks noGrp="1"/>
           </p:cNvSpPr>
@@ -3636,8 +3102,8 @@
         </p:nvSpPr>
         <p:spPr>
           <a:xfrm>
-            <a:off x="5936761" y="8362573"/>
-            <a:ext cx="1918080" cy="613422"/>
+            <a:off x="5936760" y="8362440"/>
+            <a:ext cx="1917720" cy="613080"/>
           </a:xfrm>
           <a:prstGeom prst="rect">
             <a:avLst/>
@@ -3648,7 +3114,7 @@
           </a:ln>
         </p:spPr>
         <p:txBody>
-          <a:bodyPr lIns="0" tIns="0" rIns="0" bIns="0" anchor="t">
+          <a:bodyPr lIns="0" rIns="0" tIns="0" bIns="0" anchor="t">
             <a:noAutofit/>
           </a:bodyPr>
           <a:lstStyle>
@@ -3657,7 +3123,7 @@
                 <a:spcPct val="100000"/>
               </a:lnSpc>
               <a:buNone/>
-              <a:defRPr lang="en-GB" sz="316" b="0" strike="noStrike" spc="-1">
+              <a:defRPr b="0" lang="en-GB" sz="310" spc="-1" strike="noStrike">
                 <a:solidFill>
                   <a:srgbClr val="000000"/>
                 </a:solidFill>
@@ -3673,16 +3139,17 @@
               </a:lnSpc>
               <a:buNone/>
             </a:pPr>
-            <a:fld id="{CB53641B-3EB7-42A9-B97A-8E10AE0D0266}" type="slidenum">
-              <a:rPr lang="en-GB" sz="316" b="0" strike="noStrike" spc="-1">
+            <a:fld id="{98E2BAEA-FFC9-43D5-8130-BF6FF67EE546}" type="slidenum">
+              <a:rPr b="0" lang="en-GB" sz="310" spc="-1" strike="noStrike">
                 <a:solidFill>
                   <a:srgbClr val="000000"/>
                 </a:solidFill>
                 <a:latin typeface="Times New Roman"/>
+                <a:ea typeface="DejaVu Sans"/>
               </a:rPr>
-              <a:t>‹#›</a:t>
+              <a:t>&lt;number&gt;</a:t>
             </a:fld>
-            <a:endParaRPr lang="en-GB" sz="316" b="0" strike="noStrike" spc="-1">
+            <a:endParaRPr b="0" lang="en-GB" sz="310" spc="-1" strike="noStrike">
               <a:latin typeface="Times New Roman"/>
             </a:endParaRPr>
           </a:p>
@@ -3700,8 +3167,8 @@
         </p:nvSpPr>
         <p:spPr>
           <a:xfrm>
-            <a:off x="414002" y="8362573"/>
-            <a:ext cx="1918080" cy="613422"/>
+            <a:off x="414000" y="8362440"/>
+            <a:ext cx="1917720" cy="613080"/>
           </a:xfrm>
           <a:prstGeom prst="rect">
             <a:avLst/>
@@ -3712,328 +3179,51 @@
           </a:ln>
         </p:spPr>
         <p:txBody>
-          <a:bodyPr lIns="0" tIns="0" rIns="0" bIns="0" anchor="t">
+          <a:bodyPr lIns="0" rIns="0" tIns="0" bIns="0" anchor="t">
             <a:noAutofit/>
           </a:bodyPr>
           <a:lstStyle>
             <a:lvl1pPr>
-              <a:defRPr lang="en-GB" sz="1339" b="0" strike="noStrike" spc="-1">
+              <a:defRPr b="0" lang="en-GB" sz="1400" spc="-1" strike="noStrike">
                 <a:latin typeface="Times New Roman"/>
               </a:defRPr>
             </a:lvl1pPr>
           </a:lstStyle>
           <a:p>
             <a:r>
-              <a:rPr lang="en-GB" sz="1339" b="0" strike="noStrike" spc="-1">
+              <a:rPr b="0" lang="en-GB" sz="1400" spc="-1" strike="noStrike">
                 <a:latin typeface="Times New Roman"/>
               </a:rPr>
               <a:t>&lt;date/time&gt;</a:t>
             </a:r>
+            <a:endParaRPr b="0" lang="en-GB" sz="1400" spc="-1" strike="noStrike">
+              <a:latin typeface="Times New Roman"/>
+            </a:endParaRPr>
           </a:p>
         </p:txBody>
       </p:sp>
     </p:spTree>
   </p:cSld>
-  <p:clrMap bg1="lt1" tx1="dk1" bg2="lt2" tx2="dk2" accent1="accent1" accent2="accent2" accent3="accent3" accent4="accent4" accent5="accent5" accent6="accent6" hlink="hlink" folHlink="folHlink"/>
+  <p:clrMap bg1="lt1" bg2="lt2" tx1="dk1" tx2="dk2" accent1="accent1" accent2="accent2" accent3="accent3" accent4="accent4" accent5="accent5" accent6="accent6" hlink="hlink" folHlink="folHlink"/>
   <p:sldLayoutIdLst>
-    <p:sldLayoutId id="2147483649" r:id="rId1"/>
-    <p:sldLayoutId id="2147483650" r:id="rId2"/>
-    <p:sldLayoutId id="2147483651" r:id="rId3"/>
-    <p:sldLayoutId id="2147483652" r:id="rId4"/>
-    <p:sldLayoutId id="2147483653" r:id="rId5"/>
-    <p:sldLayoutId id="2147483654" r:id="rId6"/>
-    <p:sldLayoutId id="2147483655" r:id="rId7"/>
-    <p:sldLayoutId id="2147483656" r:id="rId8"/>
-    <p:sldLayoutId id="2147483657" r:id="rId9"/>
-    <p:sldLayoutId id="2147483658" r:id="rId10"/>
-    <p:sldLayoutId id="2147483659" r:id="rId11"/>
-    <p:sldLayoutId id="2147483660" r:id="rId12"/>
+    <p:sldLayoutId id="2147483649" r:id="rId2"/>
+    <p:sldLayoutId id="2147483650" r:id="rId3"/>
+    <p:sldLayoutId id="2147483651" r:id="rId4"/>
+    <p:sldLayoutId id="2147483652" r:id="rId5"/>
+    <p:sldLayoutId id="2147483653" r:id="rId6"/>
+    <p:sldLayoutId id="2147483654" r:id="rId7"/>
+    <p:sldLayoutId id="2147483655" r:id="rId8"/>
+    <p:sldLayoutId id="2147483656" r:id="rId9"/>
+    <p:sldLayoutId id="2147483657" r:id="rId10"/>
+    <p:sldLayoutId id="2147483658" r:id="rId11"/>
+    <p:sldLayoutId id="2147483659" r:id="rId12"/>
+    <p:sldLayoutId id="2147483660" r:id="rId13"/>
   </p:sldLayoutIdLst>
-  <p:txStyles>
-    <p:titleStyle>
-      <a:lvl1pPr algn="l" defTabSz="874624" rtl="0" eaLnBrk="1" latinLnBrk="0" hangingPunct="1">
-        <a:lnSpc>
-          <a:spcPct val="90000"/>
-        </a:lnSpc>
-        <a:spcBef>
-          <a:spcPct val="0"/>
-        </a:spcBef>
-        <a:buNone/>
-        <a:defRPr sz="4209" kern="1200">
-          <a:solidFill>
-            <a:schemeClr val="tx1"/>
-          </a:solidFill>
-          <a:latin typeface="+mj-lt"/>
-          <a:ea typeface="+mj-ea"/>
-          <a:cs typeface="+mj-cs"/>
-        </a:defRPr>
-      </a:lvl1pPr>
-    </p:titleStyle>
-    <p:bodyStyle>
-      <a:lvl1pPr marL="218656" indent="-218656" algn="l" defTabSz="874624" rtl="0" eaLnBrk="1" latinLnBrk="0" hangingPunct="1">
-        <a:lnSpc>
-          <a:spcPct val="90000"/>
-        </a:lnSpc>
-        <a:spcBef>
-          <a:spcPts val="957"/>
-        </a:spcBef>
-        <a:buFont typeface="Arial" panose="020B0604020202020204" pitchFamily="34" charset="0"/>
-        <a:buChar char="•"/>
-        <a:defRPr sz="2678" kern="1200">
-          <a:solidFill>
-            <a:schemeClr val="tx1"/>
-          </a:solidFill>
-          <a:latin typeface="+mn-lt"/>
-          <a:ea typeface="+mn-ea"/>
-          <a:cs typeface="+mn-cs"/>
-        </a:defRPr>
-      </a:lvl1pPr>
-      <a:lvl2pPr marL="655968" indent="-218656" algn="l" defTabSz="874624" rtl="0" eaLnBrk="1" latinLnBrk="0" hangingPunct="1">
-        <a:lnSpc>
-          <a:spcPct val="90000"/>
-        </a:lnSpc>
-        <a:spcBef>
-          <a:spcPts val="478"/>
-        </a:spcBef>
-        <a:buFont typeface="Arial" panose="020B0604020202020204" pitchFamily="34" charset="0"/>
-        <a:buChar char="•"/>
-        <a:defRPr sz="2296" kern="1200">
-          <a:solidFill>
-            <a:schemeClr val="tx1"/>
-          </a:solidFill>
-          <a:latin typeface="+mn-lt"/>
-          <a:ea typeface="+mn-ea"/>
-          <a:cs typeface="+mn-cs"/>
-        </a:defRPr>
-      </a:lvl2pPr>
-      <a:lvl3pPr marL="1093280" indent="-218656" algn="l" defTabSz="874624" rtl="0" eaLnBrk="1" latinLnBrk="0" hangingPunct="1">
-        <a:lnSpc>
-          <a:spcPct val="90000"/>
-        </a:lnSpc>
-        <a:spcBef>
-          <a:spcPts val="478"/>
-        </a:spcBef>
-        <a:buFont typeface="Arial" panose="020B0604020202020204" pitchFamily="34" charset="0"/>
-        <a:buChar char="•"/>
-        <a:defRPr sz="1913" kern="1200">
-          <a:solidFill>
-            <a:schemeClr val="tx1"/>
-          </a:solidFill>
-          <a:latin typeface="+mn-lt"/>
-          <a:ea typeface="+mn-ea"/>
-          <a:cs typeface="+mn-cs"/>
-        </a:defRPr>
-      </a:lvl3pPr>
-      <a:lvl4pPr marL="1530591" indent="-218656" algn="l" defTabSz="874624" rtl="0" eaLnBrk="1" latinLnBrk="0" hangingPunct="1">
-        <a:lnSpc>
-          <a:spcPct val="90000"/>
-        </a:lnSpc>
-        <a:spcBef>
-          <a:spcPts val="478"/>
-        </a:spcBef>
-        <a:buFont typeface="Arial" panose="020B0604020202020204" pitchFamily="34" charset="0"/>
-        <a:buChar char="•"/>
-        <a:defRPr sz="1722" kern="1200">
-          <a:solidFill>
-            <a:schemeClr val="tx1"/>
-          </a:solidFill>
-          <a:latin typeface="+mn-lt"/>
-          <a:ea typeface="+mn-ea"/>
-          <a:cs typeface="+mn-cs"/>
-        </a:defRPr>
-      </a:lvl4pPr>
-      <a:lvl5pPr marL="1967903" indent="-218656" algn="l" defTabSz="874624" rtl="0" eaLnBrk="1" latinLnBrk="0" hangingPunct="1">
-        <a:lnSpc>
-          <a:spcPct val="90000"/>
-        </a:lnSpc>
-        <a:spcBef>
-          <a:spcPts val="478"/>
-        </a:spcBef>
-        <a:buFont typeface="Arial" panose="020B0604020202020204" pitchFamily="34" charset="0"/>
-        <a:buChar char="•"/>
-        <a:defRPr sz="1722" kern="1200">
-          <a:solidFill>
-            <a:schemeClr val="tx1"/>
-          </a:solidFill>
-          <a:latin typeface="+mn-lt"/>
-          <a:ea typeface="+mn-ea"/>
-          <a:cs typeface="+mn-cs"/>
-        </a:defRPr>
-      </a:lvl5pPr>
-      <a:lvl6pPr marL="2405215" indent="-218656" algn="l" defTabSz="874624" rtl="0" eaLnBrk="1" latinLnBrk="0" hangingPunct="1">
-        <a:lnSpc>
-          <a:spcPct val="90000"/>
-        </a:lnSpc>
-        <a:spcBef>
-          <a:spcPts val="478"/>
-        </a:spcBef>
-        <a:buFont typeface="Arial" panose="020B0604020202020204" pitchFamily="34" charset="0"/>
-        <a:buChar char="•"/>
-        <a:defRPr sz="1722" kern="1200">
-          <a:solidFill>
-            <a:schemeClr val="tx1"/>
-          </a:solidFill>
-          <a:latin typeface="+mn-lt"/>
-          <a:ea typeface="+mn-ea"/>
-          <a:cs typeface="+mn-cs"/>
-        </a:defRPr>
-      </a:lvl6pPr>
-      <a:lvl7pPr marL="2842527" indent="-218656" algn="l" defTabSz="874624" rtl="0" eaLnBrk="1" latinLnBrk="0" hangingPunct="1">
-        <a:lnSpc>
-          <a:spcPct val="90000"/>
-        </a:lnSpc>
-        <a:spcBef>
-          <a:spcPts val="478"/>
-        </a:spcBef>
-        <a:buFont typeface="Arial" panose="020B0604020202020204" pitchFamily="34" charset="0"/>
-        <a:buChar char="•"/>
-        <a:defRPr sz="1722" kern="1200">
-          <a:solidFill>
-            <a:schemeClr val="tx1"/>
-          </a:solidFill>
-          <a:latin typeface="+mn-lt"/>
-          <a:ea typeface="+mn-ea"/>
-          <a:cs typeface="+mn-cs"/>
-        </a:defRPr>
-      </a:lvl7pPr>
-      <a:lvl8pPr marL="3279839" indent="-218656" algn="l" defTabSz="874624" rtl="0" eaLnBrk="1" latinLnBrk="0" hangingPunct="1">
-        <a:lnSpc>
-          <a:spcPct val="90000"/>
-        </a:lnSpc>
-        <a:spcBef>
-          <a:spcPts val="478"/>
-        </a:spcBef>
-        <a:buFont typeface="Arial" panose="020B0604020202020204" pitchFamily="34" charset="0"/>
-        <a:buChar char="•"/>
-        <a:defRPr sz="1722" kern="1200">
-          <a:solidFill>
-            <a:schemeClr val="tx1"/>
-          </a:solidFill>
-          <a:latin typeface="+mn-lt"/>
-          <a:ea typeface="+mn-ea"/>
-          <a:cs typeface="+mn-cs"/>
-        </a:defRPr>
-      </a:lvl8pPr>
-      <a:lvl9pPr marL="3717150" indent="-218656" algn="l" defTabSz="874624" rtl="0" eaLnBrk="1" latinLnBrk="0" hangingPunct="1">
-        <a:lnSpc>
-          <a:spcPct val="90000"/>
-        </a:lnSpc>
-        <a:spcBef>
-          <a:spcPts val="478"/>
-        </a:spcBef>
-        <a:buFont typeface="Arial" panose="020B0604020202020204" pitchFamily="34" charset="0"/>
-        <a:buChar char="•"/>
-        <a:defRPr sz="1722" kern="1200">
-          <a:solidFill>
-            <a:schemeClr val="tx1"/>
-          </a:solidFill>
-          <a:latin typeface="+mn-lt"/>
-          <a:ea typeface="+mn-ea"/>
-          <a:cs typeface="+mn-cs"/>
-        </a:defRPr>
-      </a:lvl9pPr>
-    </p:bodyStyle>
-    <p:otherStyle>
-      <a:defPPr>
-        <a:defRPr lang="fi-FI"/>
-      </a:defPPr>
-      <a:lvl1pPr marL="0" algn="l" defTabSz="874624" rtl="0" eaLnBrk="1" latinLnBrk="0" hangingPunct="1">
-        <a:defRPr sz="1722" kern="1200">
-          <a:solidFill>
-            <a:schemeClr val="tx1"/>
-          </a:solidFill>
-          <a:latin typeface="+mn-lt"/>
-          <a:ea typeface="+mn-ea"/>
-          <a:cs typeface="+mn-cs"/>
-        </a:defRPr>
-      </a:lvl1pPr>
-      <a:lvl2pPr marL="437312" algn="l" defTabSz="874624" rtl="0" eaLnBrk="1" latinLnBrk="0" hangingPunct="1">
-        <a:defRPr sz="1722" kern="1200">
-          <a:solidFill>
-            <a:schemeClr val="tx1"/>
-          </a:solidFill>
-          <a:latin typeface="+mn-lt"/>
-          <a:ea typeface="+mn-ea"/>
-          <a:cs typeface="+mn-cs"/>
-        </a:defRPr>
-      </a:lvl2pPr>
-      <a:lvl3pPr marL="874624" algn="l" defTabSz="874624" rtl="0" eaLnBrk="1" latinLnBrk="0" hangingPunct="1">
-        <a:defRPr sz="1722" kern="1200">
-          <a:solidFill>
-            <a:schemeClr val="tx1"/>
-          </a:solidFill>
-          <a:latin typeface="+mn-lt"/>
-          <a:ea typeface="+mn-ea"/>
-          <a:cs typeface="+mn-cs"/>
-        </a:defRPr>
-      </a:lvl3pPr>
-      <a:lvl4pPr marL="1311935" algn="l" defTabSz="874624" rtl="0" eaLnBrk="1" latinLnBrk="0" hangingPunct="1">
-        <a:defRPr sz="1722" kern="1200">
-          <a:solidFill>
-            <a:schemeClr val="tx1"/>
-          </a:solidFill>
-          <a:latin typeface="+mn-lt"/>
-          <a:ea typeface="+mn-ea"/>
-          <a:cs typeface="+mn-cs"/>
-        </a:defRPr>
-      </a:lvl4pPr>
-      <a:lvl5pPr marL="1749247" algn="l" defTabSz="874624" rtl="0" eaLnBrk="1" latinLnBrk="0" hangingPunct="1">
-        <a:defRPr sz="1722" kern="1200">
-          <a:solidFill>
-            <a:schemeClr val="tx1"/>
-          </a:solidFill>
-          <a:latin typeface="+mn-lt"/>
-          <a:ea typeface="+mn-ea"/>
-          <a:cs typeface="+mn-cs"/>
-        </a:defRPr>
-      </a:lvl5pPr>
-      <a:lvl6pPr marL="2186559" algn="l" defTabSz="874624" rtl="0" eaLnBrk="1" latinLnBrk="0" hangingPunct="1">
-        <a:defRPr sz="1722" kern="1200">
-          <a:solidFill>
-            <a:schemeClr val="tx1"/>
-          </a:solidFill>
-          <a:latin typeface="+mn-lt"/>
-          <a:ea typeface="+mn-ea"/>
-          <a:cs typeface="+mn-cs"/>
-        </a:defRPr>
-      </a:lvl6pPr>
-      <a:lvl7pPr marL="2623871" algn="l" defTabSz="874624" rtl="0" eaLnBrk="1" latinLnBrk="0" hangingPunct="1">
-        <a:defRPr sz="1722" kern="1200">
-          <a:solidFill>
-            <a:schemeClr val="tx1"/>
-          </a:solidFill>
-          <a:latin typeface="+mn-lt"/>
-          <a:ea typeface="+mn-ea"/>
-          <a:cs typeface="+mn-cs"/>
-        </a:defRPr>
-      </a:lvl7pPr>
-      <a:lvl8pPr marL="3061183" algn="l" defTabSz="874624" rtl="0" eaLnBrk="1" latinLnBrk="0" hangingPunct="1">
-        <a:defRPr sz="1722" kern="1200">
-          <a:solidFill>
-            <a:schemeClr val="tx1"/>
-          </a:solidFill>
-          <a:latin typeface="+mn-lt"/>
-          <a:ea typeface="+mn-ea"/>
-          <a:cs typeface="+mn-cs"/>
-        </a:defRPr>
-      </a:lvl8pPr>
-      <a:lvl9pPr marL="3498494" algn="l" defTabSz="874624" rtl="0" eaLnBrk="1" latinLnBrk="0" hangingPunct="1">
-        <a:defRPr sz="1722" kern="1200">
-          <a:solidFill>
-            <a:schemeClr val="tx1"/>
-          </a:solidFill>
-          <a:latin typeface="+mn-lt"/>
-          <a:ea typeface="+mn-ea"/>
-          <a:cs typeface="+mn-cs"/>
-        </a:defRPr>
-      </a:lvl9pPr>
-    </p:otherStyle>
-  </p:txStyles>
 </p:sldMaster>
 </file>
 
 <file path=ppt/slides/slide1.xml><?xml version="1.0" encoding="utf-8"?>
-<p:sld xmlns:a="http://schemas.openxmlformats.org/drawingml/2006/main" xmlns:r="http://schemas.openxmlformats.org/officeDocument/2006/relationships" xmlns:p="http://schemas.openxmlformats.org/presentationml/2006/main">
+<p:sld xmlns:a="http://schemas.openxmlformats.org/drawingml/2006/main" xmlns:p="http://schemas.openxmlformats.org/presentationml/2006/main" xmlns:r="http://schemas.openxmlformats.org/officeDocument/2006/relationships" xmlns:p14="http://schemas.microsoft.com/office/powerpoint/2010/main" xmlns:p15="http://schemas.microsoft.com/office/powerpoint/2012/main" xmlns:mc="http://schemas.openxmlformats.org/markup-compatibility/2006">
   <p:cSld>
     <p:spTree>
       <p:nvGrpSpPr>
@@ -4057,10 +3247,10 @@
         </p:nvGrpSpPr>
         <p:grpSpPr>
           <a:xfrm>
-            <a:off x="4260699" y="6174651"/>
-            <a:ext cx="3747030" cy="2508251"/>
-            <a:chOff x="4310280" y="4949372"/>
-            <a:chExt cx="3917520" cy="2625388"/>
+            <a:off x="4260600" y="6174720"/>
+            <a:ext cx="3746520" cy="2507760"/>
+            <a:chOff x="4260600" y="6174720"/>
+            <a:chExt cx="3746520" cy="2507760"/>
           </a:xfrm>
         </p:grpSpPr>
         <p:grpSp>
@@ -4071,10 +3261,10 @@
           </p:nvGrpSpPr>
           <p:grpSpPr>
             <a:xfrm>
-              <a:off x="4310280" y="4949372"/>
-              <a:ext cx="3917520" cy="2625388"/>
-              <a:chOff x="4310280" y="4949372"/>
-              <a:chExt cx="3917520" cy="2625388"/>
+              <a:off x="4260600" y="6174720"/>
+              <a:ext cx="3746520" cy="2507760"/>
+              <a:chOff x="4260600" y="6174720"/>
+              <a:chExt cx="3746520" cy="2507760"/>
             </a:xfrm>
           </p:grpSpPr>
           <p:grpSp>
@@ -4085,27 +3275,27 @@
             </p:nvGrpSpPr>
             <p:grpSpPr>
               <a:xfrm>
-                <a:off x="4310280" y="5307120"/>
-                <a:ext cx="1902960" cy="1861200"/>
-                <a:chOff x="4310280" y="5307120"/>
-                <a:chExt cx="1902960" cy="1861200"/>
+                <a:off x="4260600" y="6516360"/>
+                <a:ext cx="1819800" cy="1777680"/>
+                <a:chOff x="4260600" y="6516360"/>
+                <a:chExt cx="1819800" cy="1777680"/>
               </a:xfrm>
             </p:grpSpPr>
             <p:pic>
               <p:nvPicPr>
-                <p:cNvPr id="48" name="Picture 12"/>
+                <p:cNvPr id="48" name="Picture 12" descr=""/>
                 <p:cNvPicPr/>
                 <p:nvPr/>
               </p:nvPicPr>
               <p:blipFill>
-                <a:blip r:embed="rId3"/>
-                <a:srcRect l="15553" t="4623" r="25393" b="4994"/>
+                <a:blip r:embed="rId1"/>
+                <a:srcRect l="15551" t="4623" r="25389" b="4994"/>
                 <a:stretch/>
               </p:blipFill>
               <p:spPr>
                 <a:xfrm>
-                  <a:off x="4310280" y="5307120"/>
-                  <a:ext cx="1902960" cy="1861200"/>
+                  <a:off x="4260600" y="6516360"/>
+                  <a:ext cx="1819800" cy="1777680"/>
                 </a:xfrm>
                 <a:prstGeom prst="rect">
                   <a:avLst/>
@@ -4123,8 +3313,8 @@
               </p:nvSpPr>
               <p:spPr>
                 <a:xfrm>
-                  <a:off x="4379400" y="5343840"/>
-                  <a:ext cx="1765800" cy="1784160"/>
+                  <a:off x="4326840" y="6551640"/>
+                  <a:ext cx="1688760" cy="1704240"/>
                 </a:xfrm>
                 <a:prstGeom prst="ellipse">
                   <a:avLst/>
@@ -4160,27 +3350,27 @@
             </p:nvGrpSpPr>
             <p:grpSpPr>
               <a:xfrm>
-                <a:off x="6352200" y="5343840"/>
-                <a:ext cx="1875600" cy="1824120"/>
-                <a:chOff x="6352200" y="5343840"/>
-                <a:chExt cx="1875600" cy="1824120"/>
+                <a:off x="6213600" y="6551640"/>
+                <a:ext cx="1793520" cy="1742400"/>
+                <a:chOff x="6213600" y="6551640"/>
+                <a:chExt cx="1793520" cy="1742400"/>
               </a:xfrm>
             </p:grpSpPr>
             <p:pic>
               <p:nvPicPr>
-                <p:cNvPr id="51" name="Picture 13"/>
+                <p:cNvPr id="51" name="Picture 13" descr=""/>
                 <p:cNvPicPr/>
                 <p:nvPr/>
               </p:nvPicPr>
               <p:blipFill>
-                <a:blip r:embed="rId4"/>
-                <a:srcRect l="8329" t="5239" r="21549" b="4379"/>
+                <a:blip r:embed="rId2"/>
+                <a:srcRect l="8329" t="5239" r="21547" b="4379"/>
                 <a:stretch/>
               </p:blipFill>
               <p:spPr>
                 <a:xfrm>
-                  <a:off x="6352200" y="5343840"/>
-                  <a:ext cx="1875600" cy="1824120"/>
+                  <a:off x="6213600" y="6551640"/>
+                  <a:ext cx="1793520" cy="1742400"/>
                 </a:xfrm>
                 <a:prstGeom prst="rect">
                   <a:avLst/>
@@ -4198,8 +3388,8 @@
               </p:nvSpPr>
               <p:spPr>
                 <a:xfrm>
-                  <a:off x="6392880" y="5343840"/>
-                  <a:ext cx="1780920" cy="1794960"/>
+                  <a:off x="6252840" y="6551640"/>
+                  <a:ext cx="1703160" cy="1714680"/>
                 </a:xfrm>
                 <a:prstGeom prst="ellipse">
                   <a:avLst/>
@@ -4236,8 +3426,8 @@
             </p:nvSpPr>
             <p:spPr>
               <a:xfrm>
-                <a:off x="5609117" y="4949372"/>
-                <a:ext cx="1406114" cy="267247"/>
+                <a:off x="5507280" y="6174720"/>
+                <a:ext cx="1335960" cy="253080"/>
               </a:xfrm>
               <a:prstGeom prst="rect">
                 <a:avLst/>
@@ -4248,22 +3438,15 @@
               </a:ln>
             </p:spPr>
             <p:style>
-              <a:lnRef idx="0">
-                <a:scrgbClr r="0" g="0" b="0"/>
-              </a:lnRef>
-              <a:fillRef idx="0">
-                <a:scrgbClr r="0" g="0" b="0"/>
-              </a:fillRef>
-              <a:effectRef idx="0">
-                <a:scrgbClr r="0" g="0" b="0"/>
-              </a:effectRef>
+              <a:lnRef idx="0"/>
+              <a:fillRef idx="0"/>
+              <a:effectRef idx="0"/>
               <a:fontRef idx="minor"/>
             </p:style>
             <p:txBody>
-              <a:bodyPr wrap="none" lIns="19971" tIns="9986" rIns="19971" bIns="9986" anchor="t">
+              <a:bodyPr wrap="none" lIns="19800" rIns="19800" tIns="10080" bIns="10080" anchor="t">
                 <a:spAutoFit/>
               </a:bodyPr>
-              <a:lstStyle/>
               <a:p>
                 <a:pPr>
                   <a:lnSpc>
@@ -4272,17 +3455,17 @@
                   <a:buNone/>
                 </a:pPr>
                 <a:r>
-                  <a:rPr lang="en-US" sz="1530" b="1" spc="-1" dirty="0">
+                  <a:rPr b="1" lang="en-US" sz="1530" spc="-1" strike="noStrike">
                     <a:solidFill>
                       <a:srgbClr val="000000"/>
                     </a:solidFill>
-                    <a:latin typeface="+mj-lt"/>
+                    <a:latin typeface="Arial"/>
                     <a:ea typeface="DejaVu Sans"/>
                   </a:rPr>
                   <a:t>Running Time</a:t>
                 </a:r>
-                <a:endParaRPr lang="en-GB" sz="1530" spc="-1" dirty="0">
-                  <a:latin typeface="+mj-lt"/>
+                <a:endParaRPr b="0" lang="en-GB" sz="1530" spc="-1" strike="noStrike">
+                  <a:latin typeface="Arial"/>
                 </a:endParaRPr>
               </a:p>
             </p:txBody>
@@ -4295,8 +3478,8 @@
             </p:nvSpPr>
             <p:spPr>
               <a:xfrm>
-                <a:off x="5138280" y="7126560"/>
-                <a:ext cx="237850" cy="173260"/>
+                <a:off x="5052960" y="8254800"/>
+                <a:ext cx="226440" cy="163440"/>
               </a:xfrm>
               <a:prstGeom prst="rect">
                 <a:avLst/>
@@ -4307,22 +3490,15 @@
               </a:ln>
             </p:spPr>
             <p:style>
-              <a:lnRef idx="0">
-                <a:scrgbClr r="0" g="0" b="0"/>
-              </a:lnRef>
-              <a:fillRef idx="0">
-                <a:scrgbClr r="0" g="0" b="0"/>
-              </a:fillRef>
-              <a:effectRef idx="0">
-                <a:scrgbClr r="0" g="0" b="0"/>
-              </a:effectRef>
+              <a:lnRef idx="0"/>
+              <a:fillRef idx="0"/>
+              <a:effectRef idx="0"/>
               <a:fontRef idx="minor"/>
             </p:style>
             <p:txBody>
-              <a:bodyPr wrap="none" lIns="19971" tIns="9986" rIns="19971" bIns="9986" anchor="t">
+              <a:bodyPr wrap="none" lIns="19800" rIns="19800" tIns="10080" bIns="10080" anchor="t">
                 <a:spAutoFit/>
               </a:bodyPr>
-              <a:lstStyle/>
               <a:p>
                 <a:pPr>
                   <a:lnSpc>
@@ -4331,7 +3507,7 @@
                   <a:buNone/>
                 </a:pPr>
                 <a:r>
-                  <a:rPr lang="en-US" sz="946" b="1" spc="-1">
+                  <a:rPr b="1" lang="en-US" sz="939" spc="-1" strike="noStrike">
                     <a:solidFill>
                       <a:srgbClr val="000000"/>
                     </a:solidFill>
@@ -4340,7 +3516,7 @@
                   </a:rPr>
                   <a:t>12h</a:t>
                 </a:r>
-                <a:endParaRPr lang="en-GB" sz="946" spc="-1">
+                <a:endParaRPr b="0" lang="en-GB" sz="939" spc="-1" strike="noStrike">
                   <a:latin typeface="Arial"/>
                 </a:endParaRPr>
               </a:p>
@@ -4354,8 +3530,8 @@
             </p:nvSpPr>
             <p:spPr>
               <a:xfrm>
-                <a:off x="7198920" y="7126560"/>
-                <a:ext cx="282967" cy="173260"/>
+                <a:off x="7023600" y="8254800"/>
+                <a:ext cx="270720" cy="163440"/>
               </a:xfrm>
               <a:prstGeom prst="rect">
                 <a:avLst/>
@@ -4366,22 +3542,15 @@
               </a:ln>
             </p:spPr>
             <p:style>
-              <a:lnRef idx="0">
-                <a:scrgbClr r="0" g="0" b="0"/>
-              </a:lnRef>
-              <a:fillRef idx="0">
-                <a:scrgbClr r="0" g="0" b="0"/>
-              </a:fillRef>
-              <a:effectRef idx="0">
-                <a:scrgbClr r="0" g="0" b="0"/>
-              </a:effectRef>
+              <a:lnRef idx="0"/>
+              <a:fillRef idx="0"/>
+              <a:effectRef idx="0"/>
               <a:fontRef idx="minor"/>
             </p:style>
             <p:txBody>
-              <a:bodyPr wrap="none" lIns="19971" tIns="9986" rIns="19971" bIns="9986" anchor="t">
+              <a:bodyPr wrap="none" lIns="19800" rIns="19800" tIns="10080" bIns="10080" anchor="t">
                 <a:spAutoFit/>
               </a:bodyPr>
-              <a:lstStyle/>
               <a:p>
                 <a:pPr>
                   <a:lnSpc>
@@ -4390,16 +3559,16 @@
                   <a:buNone/>
                 </a:pPr>
                 <a:r>
-                  <a:rPr lang="en-US" sz="946" b="1" spc="-1">
+                  <a:rPr b="1" lang="en-US" sz="939" spc="-1" strike="noStrike">
                     <a:solidFill>
                       <a:srgbClr val="000000"/>
                     </a:solidFill>
                     <a:latin typeface="Calibri"/>
                     <a:ea typeface="DejaVu Sans"/>
                   </a:rPr>
-                  <a:t>130s</a:t>
+                  <a:t>190s</a:t>
                 </a:r>
-                <a:endParaRPr lang="en-GB" sz="946" spc="-1">
+                <a:endParaRPr b="0" lang="en-GB" sz="939" spc="-1" strike="noStrike">
                   <a:latin typeface="Arial"/>
                 </a:endParaRPr>
               </a:p>
@@ -4407,19 +3576,19 @@
           </p:sp>
           <p:pic>
             <p:nvPicPr>
-              <p:cNvPr id="56" name="Picture 23"/>
+              <p:cNvPr id="56" name="Picture 23" descr=""/>
               <p:cNvPicPr/>
               <p:nvPr/>
             </p:nvPicPr>
             <p:blipFill>
-              <a:blip r:embed="rId5"/>
-              <a:srcRect l="52789" t="17019" b="71365"/>
+              <a:blip r:embed="rId3"/>
+              <a:srcRect l="52782" t="17019" r="0" b="71354"/>
               <a:stretch/>
             </p:blipFill>
             <p:spPr>
               <a:xfrm>
-                <a:off x="4411080" y="7372800"/>
-                <a:ext cx="1379160" cy="201960"/>
+                <a:off x="4357080" y="8489880"/>
+                <a:ext cx="1318680" cy="192600"/>
               </a:xfrm>
               <a:prstGeom prst="rect">
                 <a:avLst/>
@@ -4431,19 +3600,19 @@
           </p:pic>
           <p:pic>
             <p:nvPicPr>
-              <p:cNvPr id="57" name="Picture 24"/>
+              <p:cNvPr id="57" name="Picture 24" descr=""/>
               <p:cNvPicPr/>
               <p:nvPr/>
             </p:nvPicPr>
             <p:blipFill>
-              <a:blip r:embed="rId5"/>
-              <a:srcRect l="52789" t="28363" b="63973"/>
+              <a:blip r:embed="rId4"/>
+              <a:srcRect l="52782" t="28357" r="0" b="63962"/>
               <a:stretch/>
             </p:blipFill>
             <p:spPr>
               <a:xfrm>
-                <a:off x="5018760" y="7432920"/>
-                <a:ext cx="1379160" cy="131760"/>
+                <a:off x="4938480" y="8547480"/>
+                <a:ext cx="1318680" cy="125640"/>
               </a:xfrm>
               <a:prstGeom prst="rect">
                 <a:avLst/>
@@ -4455,19 +3624,19 @@
           </p:pic>
           <p:pic>
             <p:nvPicPr>
-              <p:cNvPr id="58" name="Picture 25"/>
+              <p:cNvPr id="58" name="Picture 25" descr=""/>
               <p:cNvPicPr/>
               <p:nvPr/>
             </p:nvPicPr>
             <p:blipFill>
               <a:blip r:embed="rId5"/>
-              <a:srcRect l="53022" t="54213" r="-236" b="38122"/>
+              <a:srcRect l="53015" t="54202" r="-236" b="38117"/>
               <a:stretch/>
             </p:blipFill>
             <p:spPr>
               <a:xfrm>
-                <a:off x="6661440" y="7432560"/>
-                <a:ext cx="1379160" cy="131760"/>
+                <a:off x="6509520" y="8547120"/>
+                <a:ext cx="1318680" cy="125640"/>
               </a:xfrm>
               <a:prstGeom prst="rect">
                 <a:avLst/>
@@ -4479,19 +3648,19 @@
           </p:pic>
           <p:pic>
             <p:nvPicPr>
-              <p:cNvPr id="59" name="Picture 26"/>
+              <p:cNvPr id="59" name="Picture 26" descr=""/>
               <p:cNvPicPr/>
               <p:nvPr/>
             </p:nvPicPr>
             <p:blipFill>
-              <a:blip r:embed="rId5"/>
-              <a:srcRect l="51378" t="71332" r="18350" b="20943"/>
+              <a:blip r:embed="rId6"/>
+              <a:srcRect l="51371" t="71321" r="18346" b="20937"/>
               <a:stretch/>
             </p:blipFill>
             <p:spPr>
               <a:xfrm>
-                <a:off x="7311600" y="7428240"/>
-                <a:ext cx="882720" cy="133200"/>
+                <a:off x="7131240" y="8542800"/>
+                <a:ext cx="843840" cy="126720"/>
               </a:xfrm>
               <a:prstGeom prst="rect">
                 <a:avLst/>
@@ -4503,19 +3672,19 @@
           </p:pic>
           <p:pic>
             <p:nvPicPr>
-              <p:cNvPr id="60" name="Picture 27"/>
+              <p:cNvPr id="60" name="Picture 27" descr=""/>
               <p:cNvPicPr/>
               <p:nvPr/>
             </p:nvPicPr>
             <p:blipFill>
-              <a:blip r:embed="rId6"/>
-              <a:srcRect l="57092" t="44556" b="46509"/>
+              <a:blip r:embed="rId7"/>
+              <a:srcRect l="57086" t="44556" r="0" b="46509"/>
               <a:stretch/>
             </p:blipFill>
             <p:spPr>
               <a:xfrm>
-                <a:off x="5938920" y="7409880"/>
-                <a:ext cx="816480" cy="159480"/>
+                <a:off x="5818320" y="8525520"/>
+                <a:ext cx="780480" cy="151920"/>
               </a:xfrm>
               <a:prstGeom prst="rect">
                 <a:avLst/>
@@ -4533,15 +3702,15 @@
             </p:nvSpPr>
             <p:spPr>
               <a:xfrm flipH="1">
-                <a:off x="7297200" y="5998320"/>
-                <a:ext cx="5760" cy="226080"/>
+                <a:off x="7117560" y="7176600"/>
+                <a:ext cx="5400" cy="216000"/>
               </a:xfrm>
               <a:prstGeom prst="line">
                 <a:avLst/>
               </a:prstGeom>
               <a:ln>
                 <a:solidFill>
-                  <a:srgbClr val="FF00FF"/>
+                  <a:srgbClr val="ff00ff"/>
                 </a:solidFill>
               </a:ln>
             </p:spPr>
@@ -4566,15 +3735,15 @@
             </p:nvSpPr>
             <p:spPr>
               <a:xfrm flipH="1">
-                <a:off x="7294320" y="5998320"/>
-                <a:ext cx="13320" cy="226800"/>
+                <a:off x="7114680" y="7176600"/>
+                <a:ext cx="12600" cy="216720"/>
               </a:xfrm>
               <a:prstGeom prst="line">
                 <a:avLst/>
               </a:prstGeom>
               <a:ln>
                 <a:solidFill>
-                  <a:srgbClr val="FF00FF"/>
+                  <a:srgbClr val="ff00ff"/>
                 </a:solidFill>
               </a:ln>
             </p:spPr>
@@ -4599,15 +3768,15 @@
             </p:nvSpPr>
             <p:spPr>
               <a:xfrm flipH="1">
-                <a:off x="7299720" y="5998320"/>
-                <a:ext cx="13320" cy="226800"/>
+                <a:off x="7119720" y="7176600"/>
+                <a:ext cx="12960" cy="216720"/>
               </a:xfrm>
               <a:prstGeom prst="line">
                 <a:avLst/>
               </a:prstGeom>
               <a:ln>
                 <a:solidFill>
-                  <a:srgbClr val="FF00FF"/>
+                  <a:srgbClr val="ff00ff"/>
                 </a:solidFill>
               </a:ln>
             </p:spPr>
@@ -4632,15 +3801,15 @@
             </p:nvSpPr>
             <p:spPr>
               <a:xfrm flipH="1">
-                <a:off x="7303320" y="5998320"/>
-                <a:ext cx="13680" cy="226800"/>
+                <a:off x="7123320" y="7176600"/>
+                <a:ext cx="12960" cy="216720"/>
               </a:xfrm>
               <a:prstGeom prst="line">
                 <a:avLst/>
               </a:prstGeom>
               <a:ln>
                 <a:solidFill>
-                  <a:srgbClr val="FF00FF"/>
+                  <a:srgbClr val="ff00ff"/>
                 </a:solidFill>
               </a:ln>
             </p:spPr>
@@ -4665,15 +3834,15 @@
             </p:nvSpPr>
             <p:spPr>
               <a:xfrm flipH="1">
-                <a:off x="7294320" y="5998320"/>
-                <a:ext cx="13320" cy="226800"/>
+                <a:off x="7114680" y="7176600"/>
+                <a:ext cx="12600" cy="216720"/>
               </a:xfrm>
               <a:prstGeom prst="line">
                 <a:avLst/>
               </a:prstGeom>
               <a:ln>
                 <a:solidFill>
-                  <a:srgbClr val="FF00FF"/>
+                  <a:srgbClr val="ff00ff"/>
                 </a:solidFill>
               </a:ln>
             </p:spPr>
@@ -4699,8 +3868,8 @@
           </p:nvSpPr>
           <p:spPr>
             <a:xfrm>
-              <a:off x="5191920" y="5754600"/>
-              <a:ext cx="151200" cy="500040"/>
+              <a:off x="5104080" y="6944040"/>
+              <a:ext cx="144360" cy="477360"/>
             </a:xfrm>
             <a:prstGeom prst="ellipse">
               <a:avLst/>
@@ -4736,8 +3905,8 @@
           </p:nvSpPr>
           <p:spPr>
             <a:xfrm flipV="1">
-              <a:off x="5263920" y="5348520"/>
-              <a:ext cx="1827720" cy="405720"/>
+              <a:off x="5172480" y="6555960"/>
+              <a:ext cx="1748520" cy="387360"/>
             </a:xfrm>
             <a:prstGeom prst="line">
               <a:avLst/>
@@ -4770,8 +3939,8 @@
           </p:nvSpPr>
           <p:spPr>
             <a:xfrm>
-              <a:off x="5263920" y="6263640"/>
-              <a:ext cx="1490760" cy="745560"/>
+              <a:off x="5172480" y="7430040"/>
+              <a:ext cx="1425960" cy="712440"/>
             </a:xfrm>
             <a:prstGeom prst="line">
               <a:avLst/>
@@ -4799,61 +3968,56 @@
       </p:grpSp>
       <p:pic>
         <p:nvPicPr>
-          <p:cNvPr id="5" name="Picture 4"/>
-          <p:cNvPicPr>
-            <a:picLocks noChangeAspect="1"/>
-          </p:cNvPicPr>
+          <p:cNvPr id="69" name="Picture 4" descr=""/>
+          <p:cNvPicPr/>
           <p:nvPr/>
         </p:nvPicPr>
-        <p:blipFill rotWithShape="1">
-          <a:blip r:embed="rId7" cstate="print">
-            <a:extLst>
-              <a:ext uri="{28A0092B-C50C-407E-A947-70E740481C1C}">
-                <a14:useLocalDpi xmlns:a14="http://schemas.microsoft.com/office/drawing/2010/main" val="0"/>
-              </a:ext>
-            </a:extLst>
-          </a:blip>
-          <a:srcRect l="27182" r="25733" b="91925"/>
+        <p:blipFill>
+          <a:blip r:embed="rId8"/>
+          <a:srcRect l="27184" t="0" r="25732" b="91926"/>
           <a:stretch/>
         </p:blipFill>
         <p:spPr>
           <a:xfrm>
-            <a:off x="2328856" y="229372"/>
-            <a:ext cx="3729086" cy="568499"/>
+            <a:off x="2328840" y="229320"/>
+            <a:ext cx="3728880" cy="568080"/>
           </a:xfrm>
           <a:prstGeom prst="rect">
             <a:avLst/>
           </a:prstGeom>
+          <a:ln w="0">
+            <a:noFill/>
+          </a:ln>
         </p:spPr>
       </p:pic>
       <p:grpSp>
         <p:nvGrpSpPr>
-          <p:cNvPr id="6" name="Group 5"/>
+          <p:cNvPr id="70" name="Group 5"/>
           <p:cNvGrpSpPr/>
           <p:nvPr/>
         </p:nvGrpSpPr>
         <p:grpSpPr>
           <a:xfrm>
-            <a:off x="344086" y="6104035"/>
-            <a:ext cx="3769583" cy="2746326"/>
-            <a:chOff x="171360" y="5078118"/>
-            <a:chExt cx="3825720" cy="2785722"/>
+            <a:off x="344160" y="6104160"/>
+            <a:ext cx="3769200" cy="2745720"/>
+            <a:chOff x="344160" y="6104160"/>
+            <a:chExt cx="3769200" cy="2745720"/>
           </a:xfrm>
         </p:grpSpPr>
         <p:pic>
           <p:nvPicPr>
-            <p:cNvPr id="71" name="Picture 70"/>
+            <p:cNvPr id="71" name="Picture 70" descr=""/>
             <p:cNvPicPr/>
             <p:nvPr/>
           </p:nvPicPr>
           <p:blipFill>
-            <a:blip r:embed="rId8"/>
+            <a:blip r:embed="rId9"/>
             <a:stretch/>
           </p:blipFill>
           <p:spPr>
             <a:xfrm>
-              <a:off x="171360" y="5343840"/>
-              <a:ext cx="3825720" cy="2520000"/>
+              <a:off x="344160" y="6365880"/>
+              <a:ext cx="3769200" cy="2484000"/>
             </a:xfrm>
             <a:prstGeom prst="rect">
               <a:avLst/>
@@ -4865,14 +4029,14 @@
         </p:pic>
         <p:sp>
           <p:nvSpPr>
-            <p:cNvPr id="34" name="TextBox 8"/>
+            <p:cNvPr id="72" name="TextBox 8"/>
             <p:cNvSpPr/>
             <p:nvPr/>
           </p:nvSpPr>
           <p:spPr>
             <a:xfrm>
-              <a:off x="1599287" y="5078118"/>
-              <a:ext cx="1297648" cy="267247"/>
+              <a:off x="1774080" y="6104160"/>
+              <a:ext cx="1232280" cy="253080"/>
             </a:xfrm>
             <a:prstGeom prst="rect">
               <a:avLst/>
@@ -4883,22 +4047,15 @@
             </a:ln>
           </p:spPr>
           <p:style>
-            <a:lnRef idx="0">
-              <a:scrgbClr r="0" g="0" b="0"/>
-            </a:lnRef>
-            <a:fillRef idx="0">
-              <a:scrgbClr r="0" g="0" b="0"/>
-            </a:fillRef>
-            <a:effectRef idx="0">
-              <a:scrgbClr r="0" g="0" b="0"/>
-            </a:effectRef>
+            <a:lnRef idx="0"/>
+            <a:fillRef idx="0"/>
+            <a:effectRef idx="0"/>
             <a:fontRef idx="minor"/>
           </p:style>
           <p:txBody>
-            <a:bodyPr wrap="none" lIns="19971" tIns="9986" rIns="19971" bIns="9986" anchor="t">
+            <a:bodyPr wrap="none" lIns="19800" rIns="19800" tIns="10080" bIns="10080" anchor="t">
               <a:spAutoFit/>
             </a:bodyPr>
-            <a:lstStyle/>
             <a:p>
               <a:pPr>
                 <a:lnSpc>
@@ -4907,17 +4064,17 @@
                 <a:buNone/>
               </a:pPr>
               <a:r>
-                <a:rPr lang="en-US" sz="1530" b="1" spc="-1" dirty="0">
+                <a:rPr b="1" lang="en-US" sz="1530" spc="-1" strike="noStrike">
                   <a:solidFill>
                     <a:srgbClr val="000000"/>
                   </a:solidFill>
-                  <a:latin typeface="+mj-lt"/>
+                  <a:latin typeface="Arial"/>
                   <a:ea typeface="DejaVu Sans"/>
                 </a:rPr>
                 <a:t>Performance</a:t>
               </a:r>
-              <a:endParaRPr lang="en-GB" sz="1530" spc="-1" dirty="0">
-                <a:latin typeface="+mj-lt"/>
+              <a:endParaRPr b="0" lang="en-GB" sz="1530" spc="-1" strike="noStrike">
+                <a:latin typeface="Arial"/>
               </a:endParaRPr>
             </a:p>
           </p:txBody>
@@ -4925,28 +4082,28 @@
       </p:grpSp>
       <p:grpSp>
         <p:nvGrpSpPr>
-          <p:cNvPr id="3" name="Group 2"/>
+          <p:cNvPr id="73" name="Group 2"/>
           <p:cNvGrpSpPr/>
           <p:nvPr/>
         </p:nvGrpSpPr>
         <p:grpSpPr>
           <a:xfrm>
-            <a:off x="369882" y="5583754"/>
-            <a:ext cx="4025740" cy="389499"/>
-            <a:chOff x="189701" y="5321962"/>
-            <a:chExt cx="4025740" cy="389499"/>
+            <a:off x="370440" y="5583600"/>
+            <a:ext cx="4024080" cy="385560"/>
+            <a:chOff x="370440" y="5583600"/>
+            <a:chExt cx="4024080" cy="385560"/>
           </a:xfrm>
         </p:grpSpPr>
         <p:sp>
           <p:nvSpPr>
-            <p:cNvPr id="36" name="TextBox 8"/>
+            <p:cNvPr id="74" name="TextBox 8"/>
             <p:cNvSpPr/>
             <p:nvPr/>
           </p:nvSpPr>
           <p:spPr>
             <a:xfrm>
-              <a:off x="189701" y="5321962"/>
-              <a:ext cx="245388" cy="389499"/>
+              <a:off x="370440" y="5583600"/>
+              <a:ext cx="243360" cy="385560"/>
             </a:xfrm>
             <a:prstGeom prst="rect">
               <a:avLst/>
@@ -4957,22 +4114,15 @@
             </a:ln>
           </p:spPr>
           <p:style>
-            <a:lnRef idx="0">
-              <a:scrgbClr r="0" g="0" b="0"/>
-            </a:lnRef>
-            <a:fillRef idx="0">
-              <a:scrgbClr r="0" g="0" b="0"/>
-            </a:fillRef>
-            <a:effectRef idx="0">
-              <a:scrgbClr r="0" g="0" b="0"/>
-            </a:effectRef>
+            <a:lnRef idx="0"/>
+            <a:fillRef idx="0"/>
+            <a:effectRef idx="0"/>
             <a:fontRef idx="minor"/>
           </p:style>
           <p:txBody>
-            <a:bodyPr wrap="none" lIns="19971" tIns="9986" rIns="19971" bIns="9986" anchor="t">
+            <a:bodyPr wrap="none" lIns="19800" rIns="19800" tIns="10080" bIns="10080" anchor="t">
               <a:spAutoFit/>
             </a:bodyPr>
-            <a:lstStyle/>
             <a:p>
               <a:pPr>
                 <a:lnSpc>
@@ -4981,30 +4131,31 @@
                 <a:buNone/>
               </a:pPr>
               <a:r>
-                <a:rPr lang="en-US" sz="2400" b="1" spc="-1" dirty="0">
+                <a:rPr b="1" lang="en-US" sz="2400" spc="-1" strike="noStrike">
                   <a:solidFill>
                     <a:srgbClr val="000000"/>
                   </a:solidFill>
-                  <a:latin typeface="+mj-lt"/>
+                  <a:latin typeface="Arial"/>
+                  <a:ea typeface="DejaVu Sans"/>
                 </a:rPr>
                 <a:t>E</a:t>
               </a:r>
-              <a:endParaRPr lang="en-GB" sz="2800" spc="-1" dirty="0">
-                <a:latin typeface="+mj-lt"/>
+              <a:endParaRPr b="0" lang="en-GB" sz="2400" spc="-1" strike="noStrike">
+                <a:latin typeface="Arial"/>
               </a:endParaRPr>
             </a:p>
           </p:txBody>
         </p:sp>
         <p:sp>
           <p:nvSpPr>
-            <p:cNvPr id="37" name="TextBox 8"/>
+            <p:cNvPr id="75" name="TextBox 8"/>
             <p:cNvSpPr/>
             <p:nvPr/>
           </p:nvSpPr>
           <p:spPr>
             <a:xfrm>
-              <a:off x="3987685" y="5321962"/>
-              <a:ext cx="227756" cy="389499"/>
+              <a:off x="4168080" y="5583600"/>
+              <a:ext cx="226440" cy="385560"/>
             </a:xfrm>
             <a:prstGeom prst="rect">
               <a:avLst/>
@@ -5015,22 +4166,15 @@
             </a:ln>
           </p:spPr>
           <p:style>
-            <a:lnRef idx="0">
-              <a:scrgbClr r="0" g="0" b="0"/>
-            </a:lnRef>
-            <a:fillRef idx="0">
-              <a:scrgbClr r="0" g="0" b="0"/>
-            </a:fillRef>
-            <a:effectRef idx="0">
-              <a:scrgbClr r="0" g="0" b="0"/>
-            </a:effectRef>
+            <a:lnRef idx="0"/>
+            <a:fillRef idx="0"/>
+            <a:effectRef idx="0"/>
             <a:fontRef idx="minor"/>
           </p:style>
           <p:txBody>
-            <a:bodyPr wrap="none" lIns="19971" tIns="9986" rIns="19971" bIns="9986" anchor="t">
+            <a:bodyPr wrap="none" lIns="19800" rIns="19800" tIns="10080" bIns="10080" anchor="t">
               <a:spAutoFit/>
             </a:bodyPr>
-            <a:lstStyle/>
             <a:p>
               <a:pPr>
                 <a:lnSpc>
@@ -5039,16 +4183,17 @@
                 <a:buNone/>
               </a:pPr>
               <a:r>
-                <a:rPr lang="en-US" sz="2400" b="1" spc="-1" dirty="0">
+                <a:rPr b="1" lang="en-US" sz="2400" spc="-1" strike="noStrike">
                   <a:solidFill>
                     <a:srgbClr val="000000"/>
                   </a:solidFill>
-                  <a:latin typeface="+mj-lt"/>
+                  <a:latin typeface="Arial"/>
+                  <a:ea typeface="DejaVu Sans"/>
                 </a:rPr>
                 <a:t>F</a:t>
               </a:r>
-              <a:endParaRPr lang="en-GB" sz="2296" spc="-1" dirty="0">
-                <a:latin typeface="+mj-lt"/>
+              <a:endParaRPr b="0" lang="en-GB" sz="2400" spc="-1" strike="noStrike">
+                <a:latin typeface="Arial"/>
               </a:endParaRPr>
             </a:p>
           </p:txBody>
@@ -5056,24 +4201,27 @@
       </p:grpSp>
       <p:sp>
         <p:nvSpPr>
-          <p:cNvPr id="8" name="Right Arrow 7"/>
+          <p:cNvPr id="76" name="Right Arrow 7"/>
           <p:cNvSpPr/>
           <p:nvPr/>
         </p:nvSpPr>
         <p:spPr>
-          <a:xfrm rot="19934077">
-            <a:off x="6735381" y="7341414"/>
-            <a:ext cx="321319" cy="124861"/>
+          <a:xfrm rot="19933800">
+            <a:off x="6735240" y="7341480"/>
+            <a:ext cx="321120" cy="124560"/>
           </a:xfrm>
           <a:prstGeom prst="rightArrow">
-            <a:avLst/>
+            <a:avLst>
+              <a:gd name="adj1" fmla="val 50000"/>
+              <a:gd name="adj2" fmla="val 50000"/>
+            </a:avLst>
           </a:prstGeom>
           <a:solidFill>
-            <a:srgbClr val="FF00FF"/>
+            <a:srgbClr val="ff00ff"/>
           </a:solidFill>
           <a:ln>
             <a:solidFill>
-              <a:srgbClr val="FF00FF"/>
+              <a:srgbClr val="ff00ff"/>
             </a:solidFill>
           </a:ln>
         </p:spPr>
@@ -5089,67 +4237,56 @@
           <a:effectRef idx="0">
             <a:schemeClr val="accent1"/>
           </a:effectRef>
-          <a:fontRef idx="minor">
-            <a:schemeClr val="lt1"/>
-          </a:fontRef>
+          <a:fontRef idx="minor"/>
         </p:style>
-        <p:txBody>
-          <a:bodyPr rtlCol="0" anchor="ctr"/>
-          <a:lstStyle/>
-          <a:p>
-            <a:pPr algn="ctr"/>
-            <a:endParaRPr lang="fi-FI" sz="1722"/>
-          </a:p>
-        </p:txBody>
       </p:sp>
       <p:grpSp>
         <p:nvGrpSpPr>
-          <p:cNvPr id="7" name="Group 6"/>
+          <p:cNvPr id="77" name="Group 6"/>
           <p:cNvGrpSpPr/>
           <p:nvPr/>
         </p:nvGrpSpPr>
         <p:grpSpPr>
           <a:xfrm>
-            <a:off x="383597" y="3322744"/>
-            <a:ext cx="7482789" cy="1906175"/>
-            <a:chOff x="212668" y="2919611"/>
-            <a:chExt cx="7823257" cy="1992908"/>
+            <a:off x="384840" y="3322800"/>
+            <a:ext cx="7481160" cy="1905480"/>
+            <a:chOff x="384840" y="3322800"/>
+            <a:chExt cx="7481160" cy="1905480"/>
           </a:xfrm>
         </p:grpSpPr>
         <p:pic>
           <p:nvPicPr>
-            <p:cNvPr id="4" name="Picture 3"/>
-            <p:cNvPicPr>
-              <a:picLocks noChangeAspect="1"/>
-            </p:cNvPicPr>
+            <p:cNvPr id="78" name="Picture 3" descr=""/>
+            <p:cNvPicPr/>
             <p:nvPr/>
           </p:nvPicPr>
           <p:blipFill>
-            <a:blip r:embed="rId9"/>
-            <a:stretch>
-              <a:fillRect/>
-            </a:stretch>
+            <a:blip r:embed="rId10"/>
+            <a:stretch/>
           </p:blipFill>
           <p:spPr>
             <a:xfrm>
-              <a:off x="244475" y="3007519"/>
-              <a:ext cx="7791450" cy="1905000"/>
+              <a:off x="414000" y="3406680"/>
+              <a:ext cx="7452000" cy="1821600"/>
             </a:xfrm>
             <a:prstGeom prst="rect">
               <a:avLst/>
             </a:prstGeom>
+            <a:ln w="0">
+              <a:noFill/>
+            </a:ln>
           </p:spPr>
         </p:pic>
         <p:sp>
           <p:nvSpPr>
-            <p:cNvPr id="39" name="TextBox 8"/>
+            <p:cNvPr id="79" name="TextBox 8"/>
             <p:cNvSpPr/>
             <p:nvPr/>
           </p:nvSpPr>
           <p:spPr>
             <a:xfrm>
-              <a:off x="212668" y="2922706"/>
-              <a:ext cx="274990" cy="407221"/>
+              <a:off x="384840" y="3325680"/>
+              <a:ext cx="260280" cy="385560"/>
             </a:xfrm>
             <a:prstGeom prst="rect">
               <a:avLst/>
@@ -5160,22 +4297,15 @@
             </a:ln>
           </p:spPr>
           <p:style>
-            <a:lnRef idx="0">
-              <a:scrgbClr r="0" g="0" b="0"/>
-            </a:lnRef>
-            <a:fillRef idx="0">
-              <a:scrgbClr r="0" g="0" b="0"/>
-            </a:fillRef>
-            <a:effectRef idx="0">
-              <a:scrgbClr r="0" g="0" b="0"/>
-            </a:effectRef>
+            <a:lnRef idx="0"/>
+            <a:fillRef idx="0"/>
+            <a:effectRef idx="0"/>
             <a:fontRef idx="minor"/>
           </p:style>
           <p:txBody>
-            <a:bodyPr wrap="none" lIns="19971" tIns="9986" rIns="19971" bIns="9986" anchor="t">
+            <a:bodyPr wrap="none" lIns="19800" rIns="19800" tIns="10080" bIns="10080" anchor="t">
               <a:spAutoFit/>
             </a:bodyPr>
-            <a:lstStyle/>
             <a:p>
               <a:pPr>
                 <a:lnSpc>
@@ -5184,30 +4314,31 @@
                 <a:buNone/>
               </a:pPr>
               <a:r>
-                <a:rPr lang="en-US" sz="2400" b="1" spc="-1" dirty="0">
+                <a:rPr b="1" lang="en-US" sz="2400" spc="-1" strike="noStrike">
                   <a:solidFill>
                     <a:srgbClr val="000000"/>
                   </a:solidFill>
-                  <a:latin typeface="+mj-lt"/>
+                  <a:latin typeface="Arial"/>
+                  <a:ea typeface="DejaVu Sans"/>
                 </a:rPr>
                 <a:t>C</a:t>
               </a:r>
-              <a:endParaRPr lang="en-GB" sz="2296" spc="-1" dirty="0">
-                <a:latin typeface="+mj-lt"/>
+              <a:endParaRPr b="0" lang="en-GB" sz="2400" spc="-1" strike="noStrike">
+                <a:latin typeface="Arial"/>
               </a:endParaRPr>
             </a:p>
           </p:txBody>
         </p:sp>
         <p:sp>
           <p:nvSpPr>
-            <p:cNvPr id="40" name="TextBox 8"/>
+            <p:cNvPr id="80" name="TextBox 8"/>
             <p:cNvSpPr/>
             <p:nvPr/>
           </p:nvSpPr>
           <p:spPr>
             <a:xfrm>
-              <a:off x="4140200" y="2919611"/>
-              <a:ext cx="274990" cy="407221"/>
+              <a:off x="4141440" y="3322800"/>
+              <a:ext cx="260280" cy="385560"/>
             </a:xfrm>
             <a:prstGeom prst="rect">
               <a:avLst/>
@@ -5218,22 +4349,15 @@
             </a:ln>
           </p:spPr>
           <p:style>
-            <a:lnRef idx="0">
-              <a:scrgbClr r="0" g="0" b="0"/>
-            </a:lnRef>
-            <a:fillRef idx="0">
-              <a:scrgbClr r="0" g="0" b="0"/>
-            </a:fillRef>
-            <a:effectRef idx="0">
-              <a:scrgbClr r="0" g="0" b="0"/>
-            </a:effectRef>
+            <a:lnRef idx="0"/>
+            <a:fillRef idx="0"/>
+            <a:effectRef idx="0"/>
             <a:fontRef idx="minor"/>
           </p:style>
           <p:txBody>
-            <a:bodyPr wrap="none" lIns="19971" tIns="9986" rIns="19971" bIns="9986" anchor="t">
+            <a:bodyPr wrap="none" lIns="19800" rIns="19800" tIns="10080" bIns="10080" anchor="t">
               <a:spAutoFit/>
             </a:bodyPr>
-            <a:lstStyle/>
             <a:p>
               <a:pPr>
                 <a:lnSpc>
@@ -5242,16 +4366,17 @@
                 <a:buNone/>
               </a:pPr>
               <a:r>
-                <a:rPr lang="en-US" sz="2400" b="1" spc="-1" dirty="0">
+                <a:rPr b="1" lang="en-US" sz="2400" spc="-1" strike="noStrike">
                   <a:solidFill>
                     <a:srgbClr val="000000"/>
                   </a:solidFill>
-                  <a:latin typeface="+mj-lt"/>
+                  <a:latin typeface="Arial"/>
+                  <a:ea typeface="DejaVu Sans"/>
                 </a:rPr>
                 <a:t>D</a:t>
               </a:r>
-              <a:endParaRPr lang="en-GB" sz="2296" spc="-1" dirty="0">
-                <a:latin typeface="+mj-lt"/>
+              <a:endParaRPr b="0" lang="en-GB" sz="2400" spc="-1" strike="noStrike">
+                <a:latin typeface="Arial"/>
               </a:endParaRPr>
             </a:p>
           </p:txBody>
@@ -5259,52 +4384,51 @@
       </p:grpSp>
       <p:grpSp>
         <p:nvGrpSpPr>
-          <p:cNvPr id="9" name="Group 8"/>
+          <p:cNvPr id="81" name="Group 8"/>
           <p:cNvGrpSpPr/>
           <p:nvPr/>
         </p:nvGrpSpPr>
         <p:grpSpPr>
           <a:xfrm>
-            <a:off x="369881" y="1146275"/>
-            <a:ext cx="7489810" cy="1905054"/>
-            <a:chOff x="198331" y="544773"/>
-            <a:chExt cx="7830597" cy="1991733"/>
+            <a:off x="370800" y="1146240"/>
+            <a:ext cx="7488720" cy="1904760"/>
+            <a:chOff x="370800" y="1146240"/>
+            <a:chExt cx="7488720" cy="1904760"/>
           </a:xfrm>
         </p:grpSpPr>
         <p:pic>
           <p:nvPicPr>
-            <p:cNvPr id="2" name="Picture 1"/>
-            <p:cNvPicPr>
-              <a:picLocks noChangeAspect="1"/>
-            </p:cNvPicPr>
+            <p:cNvPr id="82" name="Picture 1" descr=""/>
+            <p:cNvPicPr/>
             <p:nvPr/>
           </p:nvPicPr>
           <p:blipFill>
-            <a:blip r:embed="rId10"/>
-            <a:stretch>
-              <a:fillRect/>
-            </a:stretch>
+            <a:blip r:embed="rId11"/>
+            <a:stretch/>
           </p:blipFill>
           <p:spPr>
             <a:xfrm>
-              <a:off x="218428" y="669606"/>
-              <a:ext cx="7810500" cy="1866900"/>
+              <a:off x="389160" y="1265760"/>
+              <a:ext cx="7470360" cy="1785240"/>
             </a:xfrm>
             <a:prstGeom prst="rect">
               <a:avLst/>
             </a:prstGeom>
+            <a:ln w="0">
+              <a:noFill/>
+            </a:ln>
           </p:spPr>
         </p:pic>
         <p:sp>
           <p:nvSpPr>
-            <p:cNvPr id="38" name="TextBox 8"/>
+            <p:cNvPr id="83" name="TextBox 8"/>
             <p:cNvSpPr/>
             <p:nvPr/>
           </p:nvSpPr>
           <p:spPr>
             <a:xfrm>
-              <a:off x="198331" y="544773"/>
-              <a:ext cx="274990" cy="407221"/>
+              <a:off x="370800" y="1146240"/>
+              <a:ext cx="260280" cy="385560"/>
             </a:xfrm>
             <a:prstGeom prst="rect">
               <a:avLst/>
@@ -5315,22 +4439,15 @@
             </a:ln>
           </p:spPr>
           <p:style>
-            <a:lnRef idx="0">
-              <a:scrgbClr r="0" g="0" b="0"/>
-            </a:lnRef>
-            <a:fillRef idx="0">
-              <a:scrgbClr r="0" g="0" b="0"/>
-            </a:fillRef>
-            <a:effectRef idx="0">
-              <a:scrgbClr r="0" g="0" b="0"/>
-            </a:effectRef>
+            <a:lnRef idx="0"/>
+            <a:fillRef idx="0"/>
+            <a:effectRef idx="0"/>
             <a:fontRef idx="minor"/>
           </p:style>
           <p:txBody>
-            <a:bodyPr wrap="none" lIns="19971" tIns="9986" rIns="19971" bIns="9986" anchor="t">
+            <a:bodyPr wrap="none" lIns="19800" rIns="19800" tIns="10080" bIns="10080" anchor="t">
               <a:spAutoFit/>
             </a:bodyPr>
-            <a:lstStyle/>
             <a:p>
               <a:pPr>
                 <a:lnSpc>
@@ -5339,30 +4456,31 @@
                 <a:buNone/>
               </a:pPr>
               <a:r>
-                <a:rPr lang="en-US" sz="2400" b="1" spc="-1" dirty="0">
+                <a:rPr b="1" lang="en-US" sz="2400" spc="-1" strike="noStrike">
                   <a:solidFill>
                     <a:srgbClr val="000000"/>
                   </a:solidFill>
-                  <a:latin typeface="+mj-lt"/>
+                  <a:latin typeface="Arial"/>
+                  <a:ea typeface="DejaVu Sans"/>
                 </a:rPr>
                 <a:t>A</a:t>
               </a:r>
-              <a:endParaRPr lang="en-GB" sz="2296" spc="-1" dirty="0">
-                <a:latin typeface="+mj-lt"/>
+              <a:endParaRPr b="0" lang="en-GB" sz="2400" spc="-1" strike="noStrike">
+                <a:latin typeface="Arial"/>
               </a:endParaRPr>
             </a:p>
           </p:txBody>
         </p:sp>
         <p:sp>
           <p:nvSpPr>
-            <p:cNvPr id="41" name="TextBox 8"/>
+            <p:cNvPr id="84" name="TextBox 8"/>
             <p:cNvSpPr/>
             <p:nvPr/>
           </p:nvSpPr>
           <p:spPr>
             <a:xfrm>
-              <a:off x="4169125" y="544773"/>
-              <a:ext cx="274990" cy="407221"/>
+              <a:off x="4168800" y="1146240"/>
+              <a:ext cx="260280" cy="385560"/>
             </a:xfrm>
             <a:prstGeom prst="rect">
               <a:avLst/>
@@ -5373,22 +4491,15 @@
             </a:ln>
           </p:spPr>
           <p:style>
-            <a:lnRef idx="0">
-              <a:scrgbClr r="0" g="0" b="0"/>
-            </a:lnRef>
-            <a:fillRef idx="0">
-              <a:scrgbClr r="0" g="0" b="0"/>
-            </a:fillRef>
-            <a:effectRef idx="0">
-              <a:scrgbClr r="0" g="0" b="0"/>
-            </a:effectRef>
+            <a:lnRef idx="0"/>
+            <a:fillRef idx="0"/>
+            <a:effectRef idx="0"/>
             <a:fontRef idx="minor"/>
           </p:style>
           <p:txBody>
-            <a:bodyPr wrap="none" lIns="19971" tIns="9986" rIns="19971" bIns="9986" anchor="t">
+            <a:bodyPr wrap="none" lIns="19800" rIns="19800" tIns="10080" bIns="10080" anchor="t">
               <a:spAutoFit/>
             </a:bodyPr>
-            <a:lstStyle/>
             <a:p>
               <a:pPr>
                 <a:lnSpc>
@@ -5397,16 +4508,17 @@
                 <a:buNone/>
               </a:pPr>
               <a:r>
-                <a:rPr lang="en-US" sz="2400" b="1" spc="-1" dirty="0">
+                <a:rPr b="1" lang="en-US" sz="2400" spc="-1" strike="noStrike">
                   <a:solidFill>
                     <a:srgbClr val="000000"/>
                   </a:solidFill>
-                  <a:latin typeface="+mj-lt"/>
+                  <a:latin typeface="Arial"/>
+                  <a:ea typeface="DejaVu Sans"/>
                 </a:rPr>
                 <a:t>B</a:t>
               </a:r>
-              <a:endParaRPr lang="en-GB" sz="2296" spc="-1" dirty="0">
-                <a:latin typeface="+mj-lt"/>
+              <a:endParaRPr b="0" lang="en-GB" sz="2400" spc="-1" strike="noStrike">
+                <a:latin typeface="Arial"/>
               </a:endParaRPr>
             </a:p>
           </p:txBody>
@@ -5414,21 +4526,21 @@
       </p:grpSp>
       <p:sp>
         <p:nvSpPr>
-          <p:cNvPr id="43" name="Straight Connector 33"/>
+          <p:cNvPr id="85" name="Straight Connector 33"/>
           <p:cNvSpPr/>
           <p:nvPr/>
         </p:nvSpPr>
         <p:spPr>
           <a:xfrm flipH="1">
-            <a:off x="7123138" y="7175318"/>
-            <a:ext cx="24139" cy="217473"/>
+            <a:off x="7122960" y="7175160"/>
+            <a:ext cx="24120" cy="217440"/>
           </a:xfrm>
           <a:prstGeom prst="line">
             <a:avLst/>
           </a:prstGeom>
           <a:ln>
             <a:solidFill>
-              <a:srgbClr val="FF00FF"/>
+              <a:srgbClr val="ff00ff"/>
             </a:solidFill>
           </a:ln>
         </p:spPr>
@@ -5447,14 +4559,14 @@
       </p:sp>
       <p:sp>
         <p:nvSpPr>
-          <p:cNvPr id="44" name="Oval 43"/>
+          <p:cNvPr id="86" name="Oval 43"/>
           <p:cNvSpPr/>
           <p:nvPr/>
         </p:nvSpPr>
         <p:spPr>
           <a:xfrm>
-            <a:off x="1261696" y="4958661"/>
-            <a:ext cx="737905" cy="298450"/>
+            <a:off x="1261800" y="4958640"/>
+            <a:ext cx="737640" cy="298080"/>
           </a:xfrm>
           <a:prstGeom prst="ellipse">
             <a:avLst/>
@@ -5462,9 +4574,8 @@
           <a:noFill/>
           <a:ln w="19050">
             <a:solidFill>
-              <a:srgbClr val="FF9900"/>
+              <a:srgbClr val="ff9900"/>
             </a:solidFill>
-            <a:prstDash val="solid"/>
           </a:ln>
         </p:spPr>
         <p:style>
@@ -5479,29 +4590,19 @@
           <a:effectRef idx="0">
             <a:schemeClr val="accent1"/>
           </a:effectRef>
-          <a:fontRef idx="minor">
-            <a:schemeClr val="lt1"/>
-          </a:fontRef>
+          <a:fontRef idx="minor"/>
         </p:style>
-        <p:txBody>
-          <a:bodyPr rtlCol="0" anchor="ctr"/>
-          <a:lstStyle/>
-          <a:p>
-            <a:pPr algn="ctr"/>
-            <a:endParaRPr lang="fi-FI"/>
-          </a:p>
-        </p:txBody>
-      </p:sp>
-      <p:sp>
-        <p:nvSpPr>
-          <p:cNvPr id="69" name="Oval 68"/>
+      </p:sp>
+      <p:sp>
+        <p:nvSpPr>
+          <p:cNvPr id="87" name="Oval 68"/>
           <p:cNvSpPr/>
           <p:nvPr/>
         </p:nvSpPr>
         <p:spPr>
           <a:xfrm>
-            <a:off x="4938346" y="4973831"/>
-            <a:ext cx="737905" cy="298450"/>
+            <a:off x="4938480" y="4973760"/>
+            <a:ext cx="737640" cy="298080"/>
           </a:xfrm>
           <a:prstGeom prst="ellipse">
             <a:avLst/>
@@ -5509,9 +4610,8 @@
           <a:noFill/>
           <a:ln w="19050">
             <a:solidFill>
-              <a:srgbClr val="FF9900"/>
+              <a:srgbClr val="ff9900"/>
             </a:solidFill>
-            <a:prstDash val="solid"/>
           </a:ln>
         </p:spPr>
         <p:style>
@@ -5526,29 +4626,16 @@
           <a:effectRef idx="0">
             <a:schemeClr val="accent1"/>
           </a:effectRef>
-          <a:fontRef idx="minor">
-            <a:schemeClr val="lt1"/>
-          </a:fontRef>
+          <a:fontRef idx="minor"/>
         </p:style>
-        <p:txBody>
-          <a:bodyPr rtlCol="0" anchor="ctr"/>
-          <a:lstStyle/>
-          <a:p>
-            <a:pPr algn="ctr"/>
-            <a:endParaRPr lang="fi-FI"/>
-          </a:p>
-        </p:txBody>
       </p:sp>
     </p:spTree>
   </p:cSld>
-  <p:clrMapOvr>
-    <a:masterClrMapping/>
-  </p:clrMapOvr>
-  <mc:AlternateContent xmlns:mc="http://schemas.openxmlformats.org/markup-compatibility/2006" xmlns:p14="http://schemas.microsoft.com/office/powerpoint/2010/main">
+  <mc:AlternateContent>
     <mc:Choice Requires="p14">
       <p:transition spd="slow" p14:dur="2000"/>
     </mc:Choice>
-    <mc:Fallback xmlns:p15="http://schemas.microsoft.com/office/powerpoint/2012/main" xmlns="">
+    <mc:Fallback>
       <p:transition spd="slow"/>
     </mc:Fallback>
   </mc:AlternateContent>
@@ -5566,31 +4653,31 @@
         <a:sysClr val="window" lastClr="FFFFFF"/>
       </a:lt1>
       <a:dk2>
-        <a:srgbClr val="1F497D"/>
+        <a:srgbClr val="1f497d"/>
       </a:dk2>
       <a:lt2>
-        <a:srgbClr val="EEECE1"/>
+        <a:srgbClr val="eeece1"/>
       </a:lt2>
       <a:accent1>
-        <a:srgbClr val="4F81BD"/>
+        <a:srgbClr val="4f81bd"/>
       </a:accent1>
       <a:accent2>
-        <a:srgbClr val="C0504D"/>
+        <a:srgbClr val="c0504d"/>
       </a:accent2>
       <a:accent3>
-        <a:srgbClr val="9BBB59"/>
+        <a:srgbClr val="9bbb59"/>
       </a:accent3>
       <a:accent4>
-        <a:srgbClr val="8064A2"/>
+        <a:srgbClr val="8064a2"/>
       </a:accent4>
       <a:accent5>
-        <a:srgbClr val="4BACC6"/>
+        <a:srgbClr val="4bacc6"/>
       </a:accent5>
       <a:accent6>
-        <a:srgbClr val="F79646"/>
+        <a:srgbClr val="f79646"/>
       </a:accent6>
       <a:hlink>
-        <a:srgbClr val="0000FF"/>
+        <a:srgbClr val="0000ff"/>
       </a:hlink>
       <a:folHlink>
         <a:srgbClr val="800080"/>
@@ -5778,8 +4865,6 @@
       </a:bgFillStyleLst>
     </a:fmtScheme>
   </a:themeElements>
-  <a:objectDefaults/>
-  <a:extraClrSchemeLst/>
 </a:theme>
 </file>
 
@@ -5794,31 +4879,31 @@
         <a:sysClr val="window" lastClr="FFFFFF"/>
       </a:lt1>
       <a:dk2>
-        <a:srgbClr val="1F497D"/>
+        <a:srgbClr val="1f497d"/>
       </a:dk2>
       <a:lt2>
-        <a:srgbClr val="EEECE1"/>
+        <a:srgbClr val="eeece1"/>
       </a:lt2>
       <a:accent1>
-        <a:srgbClr val="4F81BD"/>
+        <a:srgbClr val="4f81bd"/>
       </a:accent1>
       <a:accent2>
-        <a:srgbClr val="C0504D"/>
+        <a:srgbClr val="c0504d"/>
       </a:accent2>
       <a:accent3>
-        <a:srgbClr val="9BBB59"/>
+        <a:srgbClr val="9bbb59"/>
       </a:accent3>
       <a:accent4>
-        <a:srgbClr val="8064A2"/>
+        <a:srgbClr val="8064a2"/>
       </a:accent4>
       <a:accent5>
-        <a:srgbClr val="4BACC6"/>
+        <a:srgbClr val="4bacc6"/>
       </a:accent5>
       <a:accent6>
-        <a:srgbClr val="F79646"/>
+        <a:srgbClr val="f79646"/>
       </a:accent6>
       <a:hlink>
-        <a:srgbClr val="0000FF"/>
+        <a:srgbClr val="0000ff"/>
       </a:hlink>
       <a:folHlink>
         <a:srgbClr val="800080"/>
@@ -6006,7 +5091,5 @@
       </a:bgFillStyleLst>
     </a:fmtScheme>
   </a:themeElements>
-  <a:objectDefaults/>
-  <a:extraClrSchemeLst/>
 </a:theme>
 </file>